--- a/Project/FYP Presentation.pptx
+++ b/Project/FYP Presentation.pptx
@@ -7,6 +7,10 @@
   <p:sldIdLst>
     <p:sldId id="256" r:id="rId2"/>
     <p:sldId id="257" r:id="rId3"/>
+    <p:sldId id="258" r:id="rId4"/>
+    <p:sldId id="259" r:id="rId5"/>
+    <p:sldId id="260" r:id="rId6"/>
+    <p:sldId id="261" r:id="rId7"/>
   </p:sldIdLst>
   <p:sldSz cx="12192000" cy="6858000"/>
   <p:notesSz cx="6858000" cy="9144000"/>
@@ -105,6 +109,11 @@
       </a:defRPr>
     </a:lvl9pPr>
   </p:defaultTextStyle>
+  <p:extLst>
+    <p:ext uri="{EFAFB233-063F-42B5-8137-9DF3F51BA10A}">
+      <p15:sldGuideLst xmlns:p15="http://schemas.microsoft.com/office/powerpoint/2012/main"/>
+    </p:ext>
+  </p:extLst>
 </p:presentation>
 </file>
 
@@ -2760,7 +2769,7 @@
 <p:sldMaster xmlns:a="http://schemas.openxmlformats.org/drawingml/2006/main" xmlns:r="http://schemas.openxmlformats.org/officeDocument/2006/relationships" xmlns:p="http://schemas.openxmlformats.org/presentationml/2006/main">
   <p:cSld>
     <p:bg>
-      <p:bgRef idx="1002">
+      <p:bgRef idx="1001">
         <a:schemeClr val="bg2"/>
       </p:bgRef>
     </p:bg>
@@ -3444,7 +3453,7 @@
         <p:spPr>
           <a:xfrm>
             <a:off x="862583" y="3565719"/>
-            <a:ext cx="10442282" cy="923330"/>
+            <a:ext cx="10189008" cy="1200329"/>
           </a:xfrm>
           <a:prstGeom prst="rect">
             <a:avLst/>
@@ -3462,12 +3471,23 @@
                 <a:effectLst/>
                 <a:latin typeface="+mj-lt"/>
               </a:rPr>
-              <a:t>Alex Wood:</a:t>
-            </a:r>
+              <a:t>Alex Wood</a:t>
+            </a:r>
+          </a:p>
+          <a:p>
+            <a:endParaRPr lang="en-GB" sz="1800" dirty="0">
+              <a:effectLst/>
+              <a:latin typeface="+mj-lt"/>
+            </a:endParaRPr>
           </a:p>
           <a:p>
             <a:r>
               <a:rPr lang="en-GB" sz="1800" dirty="0">
+                <a:solidFill>
+                  <a:schemeClr val="tx1">
+                    <a:lumMod val="50000"/>
+                  </a:schemeClr>
+                </a:solidFill>
                 <a:effectLst/>
                 <a:latin typeface="+mj-lt"/>
               </a:rPr>
@@ -3477,12 +3497,22 @@
           <a:p>
             <a:r>
               <a:rPr lang="en-GB" sz="1800" dirty="0">
+                <a:solidFill>
+                  <a:schemeClr val="tx1">
+                    <a:lumMod val="50000"/>
+                  </a:schemeClr>
+                </a:solidFill>
                 <a:effectLst/>
                 <a:latin typeface="+mj-lt"/>
               </a:rPr>
               <a:t>An experience using custom made control systems designed for further immersion.</a:t>
             </a:r>
             <a:endParaRPr lang="en-GB" sz="2400" dirty="0">
+              <a:solidFill>
+                <a:schemeClr val="tx1">
+                  <a:lumMod val="50000"/>
+                </a:schemeClr>
+              </a:solidFill>
               <a:latin typeface="+mj-lt"/>
             </a:endParaRPr>
           </a:p>
@@ -3538,8 +3568,8 @@
         </p:nvSpPr>
         <p:spPr>
           <a:xfrm flipV="1">
-            <a:off x="486779" y="1080599"/>
-            <a:ext cx="2639442" cy="65869"/>
+            <a:off x="486779" y="1080598"/>
+            <a:ext cx="4198584" cy="65869"/>
           </a:xfrm>
           <a:prstGeom prst="rect">
             <a:avLst/>
@@ -3588,7 +3618,7 @@
         <p:spPr>
           <a:xfrm>
             <a:off x="486779" y="434268"/>
-            <a:ext cx="2125903" cy="646331"/>
+            <a:ext cx="4198585" cy="646331"/>
           </a:xfrm>
           <a:prstGeom prst="rect">
             <a:avLst/>
@@ -3605,7 +3635,7 @@
               <a:rPr lang="en-GB" sz="3600" b="1" dirty="0">
                 <a:latin typeface="Neue Haas Grotesk Text Pro" panose="020B0504020202020204" pitchFamily="34" charset="0"/>
               </a:rPr>
-              <a:t>The Idea</a:t>
+              <a:t>The ‘Original’ Idea</a:t>
             </a:r>
           </a:p>
         </p:txBody>
@@ -3625,7 +3655,7 @@
         <p:spPr>
           <a:xfrm>
             <a:off x="486779" y="1331134"/>
-            <a:ext cx="5118709" cy="830997"/>
+            <a:ext cx="6396621" cy="1200329"/>
           </a:xfrm>
           <a:prstGeom prst="rect">
             <a:avLst/>
@@ -3633,7 +3663,7 @@
           <a:noFill/>
         </p:spPr>
         <p:txBody>
-          <a:bodyPr wrap="none" rtlCol="0">
+          <a:bodyPr wrap="square" rtlCol="0">
             <a:spAutoFit/>
           </a:bodyPr>
           <a:lstStyle/>
@@ -3643,10 +3673,13 @@
               <a:buChar char="•"/>
             </a:pPr>
             <a:r>
-              <a:rPr lang="en-GB" sz="2400" dirty="0">
+              <a:rPr lang="en-GB" sz="2400" kern="1200" dirty="0">
+                <a:effectLst/>
                 <a:latin typeface="+mj-lt"/>
+                <a:ea typeface="+mn-ea"/>
+                <a:cs typeface="+mn-cs"/>
               </a:rPr>
-              <a:t>Custom Controller</a:t>
+              <a:t>A few tech demos</a:t>
             </a:r>
           </a:p>
           <a:p>
@@ -3658,11 +3691,59 @@
               <a:rPr lang="en-GB" sz="2400" dirty="0">
                 <a:latin typeface="+mj-lt"/>
               </a:rPr>
-              <a:t>Change How Games Are Played</a:t>
-            </a:r>
-          </a:p>
-        </p:txBody>
-      </p:sp>
+              <a:t>Varying technology</a:t>
+            </a:r>
+          </a:p>
+          <a:p>
+            <a:pPr marL="342900" indent="-342900">
+              <a:buFont typeface="Arial" panose="020B0604020202020204" pitchFamily="34" charset="0"/>
+              <a:buChar char="•"/>
+            </a:pPr>
+            <a:r>
+              <a:rPr lang="en-GB" sz="2400" dirty="0">
+                <a:latin typeface="+mj-lt"/>
+              </a:rPr>
+              <a:t>Not focussed on the game</a:t>
+            </a:r>
+          </a:p>
+        </p:txBody>
+      </p:sp>
+      <p:pic>
+        <p:nvPicPr>
+          <p:cNvPr id="5" name="Graphic 4" descr="Game controller outline">
+            <a:extLst>
+              <a:ext uri="{FF2B5EF4-FFF2-40B4-BE49-F238E27FC236}">
+                <a16:creationId xmlns:a16="http://schemas.microsoft.com/office/drawing/2014/main" id="{81FFCE42-46B2-3ED1-FF1F-867F7300900C}"/>
+              </a:ext>
+            </a:extLst>
+          </p:cNvPr>
+          <p:cNvPicPr>
+            <a:picLocks noChangeAspect="1"/>
+          </p:cNvPicPr>
+          <p:nvPr/>
+        </p:nvPicPr>
+        <p:blipFill>
+          <a:blip r:embed="rId2">
+            <a:extLst>
+              <a:ext uri="{96DAC541-7B7A-43D3-8B79-37D633B846F1}">
+                <asvg:svgBlip xmlns:asvg="http://schemas.microsoft.com/office/drawing/2016/SVG/main" r:embed="rId3"/>
+              </a:ext>
+            </a:extLst>
+          </a:blip>
+          <a:stretch>
+            <a:fillRect/>
+          </a:stretch>
+        </p:blipFill>
+        <p:spPr>
+          <a:xfrm>
+            <a:off x="5028948" y="-171450"/>
+            <a:ext cx="9715500" cy="9715500"/>
+          </a:xfrm>
+          <a:prstGeom prst="rect">
+            <a:avLst/>
+          </a:prstGeom>
+        </p:spPr>
+      </p:pic>
     </p:spTree>
     <p:extLst>
       <p:ext uri="{BB962C8B-B14F-4D97-AF65-F5344CB8AC3E}">
@@ -3673,6 +3754,1119 @@
   <p:clrMapOvr>
     <a:masterClrMapping/>
   </p:clrMapOvr>
+  <p:transition spd="slow">
+    <p:push dir="u"/>
+  </p:transition>
+</p:sld>
+</file>
+
+<file path=ppt/slides/slide3.xml><?xml version="1.0" encoding="utf-8"?>
+<p:sld xmlns:a="http://schemas.openxmlformats.org/drawingml/2006/main" xmlns:r="http://schemas.openxmlformats.org/officeDocument/2006/relationships" xmlns:p="http://schemas.openxmlformats.org/presentationml/2006/main">
+  <p:cSld>
+    <p:spTree>
+      <p:nvGrpSpPr>
+        <p:cNvPr id="1" name="">
+          <a:extLst>
+            <a:ext uri="{FF2B5EF4-FFF2-40B4-BE49-F238E27FC236}">
+              <a16:creationId xmlns:a16="http://schemas.microsoft.com/office/drawing/2014/main" id="{1B2B8210-A92F-FBB6-5A0F-B71FB2EBCCCA}"/>
+            </a:ext>
+          </a:extLst>
+        </p:cNvPr>
+        <p:cNvGrpSpPr/>
+        <p:nvPr/>
+      </p:nvGrpSpPr>
+      <p:grpSpPr>
+        <a:xfrm>
+          <a:off x="0" y="0"/>
+          <a:ext cx="0" cy="0"/>
+          <a:chOff x="0" y="0"/>
+          <a:chExt cx="0" cy="0"/>
+        </a:xfrm>
+      </p:grpSpPr>
+      <p:sp>
+        <p:nvSpPr>
+          <p:cNvPr id="4" name="Rectangle 3">
+            <a:extLst>
+              <a:ext uri="{FF2B5EF4-FFF2-40B4-BE49-F238E27FC236}">
+                <a16:creationId xmlns:a16="http://schemas.microsoft.com/office/drawing/2014/main" id="{DCDC0C11-DDBB-54F9-9F84-3DA5D6F3FC61}"/>
+              </a:ext>
+            </a:extLst>
+          </p:cNvPr>
+          <p:cNvSpPr/>
+          <p:nvPr/>
+        </p:nvSpPr>
+        <p:spPr>
+          <a:xfrm flipV="1">
+            <a:off x="486779" y="1080598"/>
+            <a:ext cx="4198584" cy="65869"/>
+          </a:xfrm>
+          <a:prstGeom prst="rect">
+            <a:avLst/>
+          </a:prstGeom>
+          <a:ln>
+            <a:noFill/>
+          </a:ln>
+        </p:spPr>
+        <p:style>
+          <a:lnRef idx="2">
+            <a:schemeClr val="accent1">
+              <a:shade val="15000"/>
+            </a:schemeClr>
+          </a:lnRef>
+          <a:fillRef idx="1">
+            <a:schemeClr val="accent1"/>
+          </a:fillRef>
+          <a:effectRef idx="0">
+            <a:schemeClr val="accent1"/>
+          </a:effectRef>
+          <a:fontRef idx="minor">
+            <a:schemeClr val="lt1"/>
+          </a:fontRef>
+        </p:style>
+        <p:txBody>
+          <a:bodyPr rtlCol="0" anchor="ctr"/>
+          <a:lstStyle/>
+          <a:p>
+            <a:pPr algn="ctr"/>
+            <a:endParaRPr lang="en-GB"/>
+          </a:p>
+        </p:txBody>
+      </p:sp>
+      <p:sp>
+        <p:nvSpPr>
+          <p:cNvPr id="7" name="TextBox 6">
+            <a:extLst>
+              <a:ext uri="{FF2B5EF4-FFF2-40B4-BE49-F238E27FC236}">
+                <a16:creationId xmlns:a16="http://schemas.microsoft.com/office/drawing/2014/main" id="{B6BC848B-7412-6CB2-F324-BE1C1BD8FBE4}"/>
+              </a:ext>
+            </a:extLst>
+          </p:cNvPr>
+          <p:cNvSpPr txBox="1"/>
+          <p:nvPr/>
+        </p:nvSpPr>
+        <p:spPr>
+          <a:xfrm>
+            <a:off x="486779" y="434268"/>
+            <a:ext cx="3239990" cy="646331"/>
+          </a:xfrm>
+          <a:prstGeom prst="rect">
+            <a:avLst/>
+          </a:prstGeom>
+          <a:noFill/>
+        </p:spPr>
+        <p:txBody>
+          <a:bodyPr wrap="none" rtlCol="0">
+            <a:spAutoFit/>
+          </a:bodyPr>
+          <a:lstStyle/>
+          <a:p>
+            <a:r>
+              <a:rPr lang="en-GB" sz="3600" b="1" dirty="0">
+                <a:latin typeface="Neue Haas Grotesk Text Pro" panose="020B0504020202020204" pitchFamily="34" charset="0"/>
+              </a:rPr>
+              <a:t>The New Idea</a:t>
+            </a:r>
+          </a:p>
+        </p:txBody>
+      </p:sp>
+      <p:sp>
+        <p:nvSpPr>
+          <p:cNvPr id="8" name="TextBox 7">
+            <a:extLst>
+              <a:ext uri="{FF2B5EF4-FFF2-40B4-BE49-F238E27FC236}">
+                <a16:creationId xmlns:a16="http://schemas.microsoft.com/office/drawing/2014/main" id="{530A3F1B-C7EB-F381-D8E8-653D30A12854}"/>
+              </a:ext>
+            </a:extLst>
+          </p:cNvPr>
+          <p:cNvSpPr txBox="1"/>
+          <p:nvPr/>
+        </p:nvSpPr>
+        <p:spPr>
+          <a:xfrm>
+            <a:off x="486779" y="1331134"/>
+            <a:ext cx="6396621" cy="1200329"/>
+          </a:xfrm>
+          <a:prstGeom prst="rect">
+            <a:avLst/>
+          </a:prstGeom>
+          <a:noFill/>
+        </p:spPr>
+        <p:txBody>
+          <a:bodyPr wrap="square" rtlCol="0">
+            <a:spAutoFit/>
+          </a:bodyPr>
+          <a:lstStyle/>
+          <a:p>
+            <a:pPr marL="342900" indent="-342900">
+              <a:buFont typeface="Arial" panose="020B0604020202020204" pitchFamily="34" charset="0"/>
+              <a:buChar char="•"/>
+            </a:pPr>
+            <a:r>
+              <a:rPr lang="en-GB" sz="2400" kern="1200" dirty="0">
+                <a:effectLst/>
+                <a:latin typeface="+mj-lt"/>
+                <a:ea typeface="+mn-ea"/>
+                <a:cs typeface="+mn-cs"/>
+              </a:rPr>
+              <a:t>Single Game</a:t>
+            </a:r>
+          </a:p>
+          <a:p>
+            <a:pPr marL="342900" indent="-342900">
+              <a:buFont typeface="Arial" panose="020B0604020202020204" pitchFamily="34" charset="0"/>
+              <a:buChar char="•"/>
+            </a:pPr>
+            <a:r>
+              <a:rPr lang="en-GB" sz="2400" dirty="0">
+                <a:latin typeface="+mj-lt"/>
+              </a:rPr>
+              <a:t>More Developed</a:t>
+            </a:r>
+          </a:p>
+          <a:p>
+            <a:pPr marL="342900" indent="-342900">
+              <a:buFont typeface="Arial" panose="020B0604020202020204" pitchFamily="34" charset="0"/>
+              <a:buChar char="•"/>
+            </a:pPr>
+            <a:r>
+              <a:rPr lang="en-GB" sz="2400" dirty="0">
+                <a:latin typeface="+mj-lt"/>
+              </a:rPr>
+              <a:t>Narrative</a:t>
+            </a:r>
+          </a:p>
+        </p:txBody>
+      </p:sp>
+      <p:pic>
+        <p:nvPicPr>
+          <p:cNvPr id="5" name="Graphic 4" descr="Light Bulb and Gear">
+            <a:extLst>
+              <a:ext uri="{FF2B5EF4-FFF2-40B4-BE49-F238E27FC236}">
+                <a16:creationId xmlns:a16="http://schemas.microsoft.com/office/drawing/2014/main" id="{F23AE3BD-462B-1D0F-B14A-992AA09D87AA}"/>
+              </a:ext>
+            </a:extLst>
+          </p:cNvPr>
+          <p:cNvPicPr>
+            <a:picLocks noChangeAspect="1"/>
+          </p:cNvPicPr>
+          <p:nvPr/>
+        </p:nvPicPr>
+        <p:blipFill>
+          <a:blip r:embed="rId2">
+            <a:extLst>
+              <a:ext uri="{28A0092B-C50C-407E-A947-70E740481C1C}">
+                <a14:useLocalDpi xmlns:a14="http://schemas.microsoft.com/office/drawing/2010/main" val="0"/>
+              </a:ext>
+              <a:ext uri="{96DAC541-7B7A-43D3-8B79-37D633B846F1}">
+                <asvg:svgBlip xmlns:asvg="http://schemas.microsoft.com/office/drawing/2016/SVG/main" r:embed="rId3"/>
+              </a:ext>
+            </a:extLst>
+          </a:blip>
+          <a:stretch>
+            <a:fillRect/>
+          </a:stretch>
+        </p:blipFill>
+        <p:spPr>
+          <a:xfrm>
+            <a:off x="5028948" y="-171450"/>
+            <a:ext cx="9715500" cy="9715500"/>
+          </a:xfrm>
+          <a:prstGeom prst="rect">
+            <a:avLst/>
+          </a:prstGeom>
+        </p:spPr>
+      </p:pic>
+    </p:spTree>
+    <p:extLst>
+      <p:ext uri="{BB962C8B-B14F-4D97-AF65-F5344CB8AC3E}">
+        <p14:creationId xmlns:p14="http://schemas.microsoft.com/office/powerpoint/2010/main" val="3002698542"/>
+      </p:ext>
+    </p:extLst>
+  </p:cSld>
+  <p:clrMapOvr>
+    <a:masterClrMapping/>
+  </p:clrMapOvr>
+  <p:transition spd="med">
+    <p:pull dir="r"/>
+  </p:transition>
+</p:sld>
+</file>
+
+<file path=ppt/slides/slide4.xml><?xml version="1.0" encoding="utf-8"?>
+<p:sld xmlns:a="http://schemas.openxmlformats.org/drawingml/2006/main" xmlns:r="http://schemas.openxmlformats.org/officeDocument/2006/relationships" xmlns:p="http://schemas.openxmlformats.org/presentationml/2006/main">
+  <p:cSld>
+    <p:spTree>
+      <p:nvGrpSpPr>
+        <p:cNvPr id="1" name="">
+          <a:extLst>
+            <a:ext uri="{FF2B5EF4-FFF2-40B4-BE49-F238E27FC236}">
+              <a16:creationId xmlns:a16="http://schemas.microsoft.com/office/drawing/2014/main" id="{D6CBC61C-E56E-BA9F-1A4A-0B6F523CB3DF}"/>
+            </a:ext>
+          </a:extLst>
+        </p:cNvPr>
+        <p:cNvGrpSpPr/>
+        <p:nvPr/>
+      </p:nvGrpSpPr>
+      <p:grpSpPr>
+        <a:xfrm>
+          <a:off x="0" y="0"/>
+          <a:ext cx="0" cy="0"/>
+          <a:chOff x="0" y="0"/>
+          <a:chExt cx="0" cy="0"/>
+        </a:xfrm>
+      </p:grpSpPr>
+      <p:sp>
+        <p:nvSpPr>
+          <p:cNvPr id="4" name="Rectangle 3">
+            <a:extLst>
+              <a:ext uri="{FF2B5EF4-FFF2-40B4-BE49-F238E27FC236}">
+                <a16:creationId xmlns:a16="http://schemas.microsoft.com/office/drawing/2014/main" id="{413B498E-15AD-2EE0-B2E5-91B95ACB22C6}"/>
+              </a:ext>
+            </a:extLst>
+          </p:cNvPr>
+          <p:cNvSpPr/>
+          <p:nvPr/>
+        </p:nvSpPr>
+        <p:spPr>
+          <a:xfrm flipV="1">
+            <a:off x="486779" y="1080598"/>
+            <a:ext cx="3358612" cy="65868"/>
+          </a:xfrm>
+          <a:prstGeom prst="rect">
+            <a:avLst/>
+          </a:prstGeom>
+          <a:ln>
+            <a:noFill/>
+          </a:ln>
+        </p:spPr>
+        <p:style>
+          <a:lnRef idx="2">
+            <a:schemeClr val="accent1">
+              <a:shade val="15000"/>
+            </a:schemeClr>
+          </a:lnRef>
+          <a:fillRef idx="1">
+            <a:schemeClr val="accent1"/>
+          </a:fillRef>
+          <a:effectRef idx="0">
+            <a:schemeClr val="accent1"/>
+          </a:effectRef>
+          <a:fontRef idx="minor">
+            <a:schemeClr val="lt1"/>
+          </a:fontRef>
+        </p:style>
+        <p:txBody>
+          <a:bodyPr rtlCol="0" anchor="ctr"/>
+          <a:lstStyle/>
+          <a:p>
+            <a:pPr algn="ctr"/>
+            <a:endParaRPr lang="en-GB"/>
+          </a:p>
+        </p:txBody>
+      </p:sp>
+      <p:sp>
+        <p:nvSpPr>
+          <p:cNvPr id="7" name="TextBox 6">
+            <a:extLst>
+              <a:ext uri="{FF2B5EF4-FFF2-40B4-BE49-F238E27FC236}">
+                <a16:creationId xmlns:a16="http://schemas.microsoft.com/office/drawing/2014/main" id="{88B5E823-C6D3-F0A8-FC9C-F70FD2B51E96}"/>
+              </a:ext>
+            </a:extLst>
+          </p:cNvPr>
+          <p:cNvSpPr txBox="1"/>
+          <p:nvPr/>
+        </p:nvSpPr>
+        <p:spPr>
+          <a:xfrm>
+            <a:off x="486779" y="434268"/>
+            <a:ext cx="3358612" cy="646331"/>
+          </a:xfrm>
+          <a:prstGeom prst="rect">
+            <a:avLst/>
+          </a:prstGeom>
+          <a:noFill/>
+        </p:spPr>
+        <p:txBody>
+          <a:bodyPr wrap="none" rtlCol="0">
+            <a:spAutoFit/>
+          </a:bodyPr>
+          <a:lstStyle/>
+          <a:p>
+            <a:r>
+              <a:rPr lang="en-GB" sz="3600" b="1" dirty="0">
+                <a:latin typeface="Neue Haas Grotesk Text Pro" panose="020B0504020202020204" pitchFamily="34" charset="0"/>
+              </a:rPr>
+              <a:t>The Hardware</a:t>
+            </a:r>
+          </a:p>
+        </p:txBody>
+      </p:sp>
+      <p:sp>
+        <p:nvSpPr>
+          <p:cNvPr id="8" name="TextBox 7">
+            <a:extLst>
+              <a:ext uri="{FF2B5EF4-FFF2-40B4-BE49-F238E27FC236}">
+                <a16:creationId xmlns:a16="http://schemas.microsoft.com/office/drawing/2014/main" id="{80D34FAE-F7E7-76D6-010E-9EFF7DBBC4DD}"/>
+              </a:ext>
+            </a:extLst>
+          </p:cNvPr>
+          <p:cNvSpPr txBox="1"/>
+          <p:nvPr/>
+        </p:nvSpPr>
+        <p:spPr>
+          <a:xfrm>
+            <a:off x="486779" y="1331134"/>
+            <a:ext cx="6396621" cy="1569660"/>
+          </a:xfrm>
+          <a:prstGeom prst="rect">
+            <a:avLst/>
+          </a:prstGeom>
+          <a:noFill/>
+        </p:spPr>
+        <p:txBody>
+          <a:bodyPr wrap="square" rtlCol="0">
+            <a:spAutoFit/>
+          </a:bodyPr>
+          <a:lstStyle/>
+          <a:p>
+            <a:pPr marL="342900" indent="-342900">
+              <a:buFont typeface="Arial" panose="020B0604020202020204" pitchFamily="34" charset="0"/>
+              <a:buChar char="•"/>
+            </a:pPr>
+            <a:r>
+              <a:rPr lang="en-GB" sz="2400" kern="1200" dirty="0">
+                <a:effectLst/>
+                <a:latin typeface="+mj-lt"/>
+                <a:ea typeface="+mn-ea"/>
+                <a:cs typeface="+mn-cs"/>
+              </a:rPr>
+              <a:t>Briefcase</a:t>
+            </a:r>
+          </a:p>
+          <a:p>
+            <a:pPr marL="342900" indent="-342900">
+              <a:buFont typeface="Arial" panose="020B0604020202020204" pitchFamily="34" charset="0"/>
+              <a:buChar char="•"/>
+            </a:pPr>
+            <a:r>
+              <a:rPr lang="en-GB" sz="2400" dirty="0">
+                <a:latin typeface="+mj-lt"/>
+              </a:rPr>
+              <a:t>Printer</a:t>
+            </a:r>
+          </a:p>
+          <a:p>
+            <a:pPr marL="342900" indent="-342900">
+              <a:buFont typeface="Arial" panose="020B0604020202020204" pitchFamily="34" charset="0"/>
+              <a:buChar char="•"/>
+            </a:pPr>
+            <a:r>
+              <a:rPr lang="en-GB" sz="2400" dirty="0">
+                <a:latin typeface="+mj-lt"/>
+              </a:rPr>
+              <a:t>Circuit Board</a:t>
+            </a:r>
+          </a:p>
+          <a:p>
+            <a:pPr marL="342900" indent="-342900">
+              <a:buFont typeface="Arial" panose="020B0604020202020204" pitchFamily="34" charset="0"/>
+              <a:buChar char="•"/>
+            </a:pPr>
+            <a:r>
+              <a:rPr lang="en-GB" sz="2400" dirty="0">
+                <a:latin typeface="+mj-lt"/>
+              </a:rPr>
+              <a:t>Joystick</a:t>
+            </a:r>
+          </a:p>
+        </p:txBody>
+      </p:sp>
+      <p:pic>
+        <p:nvPicPr>
+          <p:cNvPr id="5" name="Graphic 4" descr="Processor">
+            <a:extLst>
+              <a:ext uri="{FF2B5EF4-FFF2-40B4-BE49-F238E27FC236}">
+                <a16:creationId xmlns:a16="http://schemas.microsoft.com/office/drawing/2014/main" id="{7CED5F49-66D3-EFF1-15AF-4A78F7E74265}"/>
+              </a:ext>
+            </a:extLst>
+          </p:cNvPr>
+          <p:cNvPicPr>
+            <a:picLocks noChangeAspect="1"/>
+          </p:cNvPicPr>
+          <p:nvPr/>
+        </p:nvPicPr>
+        <p:blipFill>
+          <a:blip r:embed="rId2">
+            <a:extLst>
+              <a:ext uri="{28A0092B-C50C-407E-A947-70E740481C1C}">
+                <a14:useLocalDpi xmlns:a14="http://schemas.microsoft.com/office/drawing/2010/main" val="0"/>
+              </a:ext>
+              <a:ext uri="{96DAC541-7B7A-43D3-8B79-37D633B846F1}">
+                <asvg:svgBlip xmlns:asvg="http://schemas.microsoft.com/office/drawing/2016/SVG/main" r:embed="rId3"/>
+              </a:ext>
+            </a:extLst>
+          </a:blip>
+          <a:stretch>
+            <a:fillRect/>
+          </a:stretch>
+        </p:blipFill>
+        <p:spPr>
+          <a:xfrm>
+            <a:off x="5028948" y="-171450"/>
+            <a:ext cx="9715500" cy="9715500"/>
+          </a:xfrm>
+          <a:prstGeom prst="rect">
+            <a:avLst/>
+          </a:prstGeom>
+        </p:spPr>
+      </p:pic>
+    </p:spTree>
+    <p:extLst>
+      <p:ext uri="{BB962C8B-B14F-4D97-AF65-F5344CB8AC3E}">
+        <p14:creationId xmlns:p14="http://schemas.microsoft.com/office/powerpoint/2010/main" val="2565751352"/>
+      </p:ext>
+    </p:extLst>
+  </p:cSld>
+  <p:clrMapOvr>
+    <a:masterClrMapping/>
+  </p:clrMapOvr>
+  <p:transition spd="med">
+    <p:pull dir="r"/>
+  </p:transition>
+</p:sld>
+</file>
+
+<file path=ppt/slides/slide5.xml><?xml version="1.0" encoding="utf-8"?>
+<p:sld xmlns:a="http://schemas.openxmlformats.org/drawingml/2006/main" xmlns:r="http://schemas.openxmlformats.org/officeDocument/2006/relationships" xmlns:p="http://schemas.openxmlformats.org/presentationml/2006/main">
+  <p:cSld>
+    <p:spTree>
+      <p:nvGrpSpPr>
+        <p:cNvPr id="1" name="">
+          <a:extLst>
+            <a:ext uri="{FF2B5EF4-FFF2-40B4-BE49-F238E27FC236}">
+              <a16:creationId xmlns:a16="http://schemas.microsoft.com/office/drawing/2014/main" id="{C5740332-F01E-BD0F-9882-ADC0C38E82C8}"/>
+            </a:ext>
+          </a:extLst>
+        </p:cNvPr>
+        <p:cNvGrpSpPr/>
+        <p:nvPr/>
+      </p:nvGrpSpPr>
+      <p:grpSpPr>
+        <a:xfrm>
+          <a:off x="0" y="0"/>
+          <a:ext cx="0" cy="0"/>
+          <a:chOff x="0" y="0"/>
+          <a:chExt cx="0" cy="0"/>
+        </a:xfrm>
+      </p:grpSpPr>
+      <p:sp>
+        <p:nvSpPr>
+          <p:cNvPr id="4" name="Rectangle 3">
+            <a:extLst>
+              <a:ext uri="{FF2B5EF4-FFF2-40B4-BE49-F238E27FC236}">
+                <a16:creationId xmlns:a16="http://schemas.microsoft.com/office/drawing/2014/main" id="{C4C2D673-3210-676D-C9D3-4A0519D2D54A}"/>
+              </a:ext>
+            </a:extLst>
+          </p:cNvPr>
+          <p:cNvSpPr/>
+          <p:nvPr/>
+        </p:nvSpPr>
+        <p:spPr>
+          <a:xfrm flipV="1">
+            <a:off x="486779" y="1080598"/>
+            <a:ext cx="2483372" cy="65867"/>
+          </a:xfrm>
+          <a:prstGeom prst="rect">
+            <a:avLst/>
+          </a:prstGeom>
+          <a:ln>
+            <a:noFill/>
+          </a:ln>
+        </p:spPr>
+        <p:style>
+          <a:lnRef idx="2">
+            <a:schemeClr val="accent1">
+              <a:shade val="15000"/>
+            </a:schemeClr>
+          </a:lnRef>
+          <a:fillRef idx="1">
+            <a:schemeClr val="accent1"/>
+          </a:fillRef>
+          <a:effectRef idx="0">
+            <a:schemeClr val="accent1"/>
+          </a:effectRef>
+          <a:fontRef idx="minor">
+            <a:schemeClr val="lt1"/>
+          </a:fontRef>
+        </p:style>
+        <p:txBody>
+          <a:bodyPr rtlCol="0" anchor="ctr"/>
+          <a:lstStyle/>
+          <a:p>
+            <a:pPr algn="ctr"/>
+            <a:endParaRPr lang="en-GB"/>
+          </a:p>
+        </p:txBody>
+      </p:sp>
+      <p:sp>
+        <p:nvSpPr>
+          <p:cNvPr id="7" name="TextBox 6">
+            <a:extLst>
+              <a:ext uri="{FF2B5EF4-FFF2-40B4-BE49-F238E27FC236}">
+                <a16:creationId xmlns:a16="http://schemas.microsoft.com/office/drawing/2014/main" id="{04D9E003-7E44-6FDA-3D80-4CF5096FF6EB}"/>
+              </a:ext>
+            </a:extLst>
+          </p:cNvPr>
+          <p:cNvSpPr txBox="1"/>
+          <p:nvPr/>
+        </p:nvSpPr>
+        <p:spPr>
+          <a:xfrm>
+            <a:off x="486779" y="434268"/>
+            <a:ext cx="2483372" cy="646331"/>
+          </a:xfrm>
+          <a:prstGeom prst="rect">
+            <a:avLst/>
+          </a:prstGeom>
+          <a:noFill/>
+        </p:spPr>
+        <p:txBody>
+          <a:bodyPr wrap="none" rtlCol="0">
+            <a:spAutoFit/>
+          </a:bodyPr>
+          <a:lstStyle/>
+          <a:p>
+            <a:r>
+              <a:rPr lang="en-GB" sz="3600" b="1" dirty="0">
+                <a:latin typeface="Neue Haas Grotesk Text Pro" panose="020B0504020202020204" pitchFamily="34" charset="0"/>
+              </a:rPr>
+              <a:t>The Game</a:t>
+            </a:r>
+          </a:p>
+        </p:txBody>
+      </p:sp>
+      <p:sp>
+        <p:nvSpPr>
+          <p:cNvPr id="8" name="TextBox 7">
+            <a:extLst>
+              <a:ext uri="{FF2B5EF4-FFF2-40B4-BE49-F238E27FC236}">
+                <a16:creationId xmlns:a16="http://schemas.microsoft.com/office/drawing/2014/main" id="{05C56526-DB3E-0497-7DD6-0B5BA3849939}"/>
+              </a:ext>
+            </a:extLst>
+          </p:cNvPr>
+          <p:cNvSpPr txBox="1"/>
+          <p:nvPr/>
+        </p:nvSpPr>
+        <p:spPr>
+          <a:xfrm>
+            <a:off x="486779" y="1331134"/>
+            <a:ext cx="6396621" cy="1200329"/>
+          </a:xfrm>
+          <a:prstGeom prst="rect">
+            <a:avLst/>
+          </a:prstGeom>
+          <a:noFill/>
+        </p:spPr>
+        <p:txBody>
+          <a:bodyPr wrap="square" rtlCol="0">
+            <a:spAutoFit/>
+          </a:bodyPr>
+          <a:lstStyle/>
+          <a:p>
+            <a:pPr marL="342900" indent="-342900">
+              <a:buFont typeface="Arial" panose="020B0604020202020204" pitchFamily="34" charset="0"/>
+              <a:buChar char="•"/>
+            </a:pPr>
+            <a:r>
+              <a:rPr lang="en-GB" sz="2400" kern="1200" dirty="0">
+                <a:effectLst/>
+                <a:latin typeface="+mj-lt"/>
+                <a:ea typeface="+mn-ea"/>
+                <a:cs typeface="+mn-cs"/>
+              </a:rPr>
+              <a:t>Arduino Communication</a:t>
+            </a:r>
+          </a:p>
+          <a:p>
+            <a:pPr marL="342900" indent="-342900">
+              <a:buFont typeface="Arial" panose="020B0604020202020204" pitchFamily="34" charset="0"/>
+              <a:buChar char="•"/>
+            </a:pPr>
+            <a:r>
+              <a:rPr lang="en-GB" sz="2400" dirty="0">
+                <a:latin typeface="+mj-lt"/>
+              </a:rPr>
+              <a:t>Joystick</a:t>
+            </a:r>
+          </a:p>
+          <a:p>
+            <a:pPr marL="342900" indent="-342900">
+              <a:buFont typeface="Arial" panose="020B0604020202020204" pitchFamily="34" charset="0"/>
+              <a:buChar char="•"/>
+            </a:pPr>
+            <a:r>
+              <a:rPr lang="en-GB" sz="2400" dirty="0">
+                <a:latin typeface="+mj-lt"/>
+              </a:rPr>
+              <a:t>Narrative</a:t>
+            </a:r>
+          </a:p>
+        </p:txBody>
+      </p:sp>
+      <p:pic>
+        <p:nvPicPr>
+          <p:cNvPr id="5" name="Graphic 4" descr="Astronaut male outline">
+            <a:extLst>
+              <a:ext uri="{FF2B5EF4-FFF2-40B4-BE49-F238E27FC236}">
+                <a16:creationId xmlns:a16="http://schemas.microsoft.com/office/drawing/2014/main" id="{FCF3A336-4DB2-F870-1969-23925D192F74}"/>
+              </a:ext>
+            </a:extLst>
+          </p:cNvPr>
+          <p:cNvPicPr>
+            <a:picLocks noChangeAspect="1"/>
+          </p:cNvPicPr>
+          <p:nvPr/>
+        </p:nvPicPr>
+        <p:blipFill>
+          <a:blip r:embed="rId2">
+            <a:extLst>
+              <a:ext uri="{96DAC541-7B7A-43D3-8B79-37D633B846F1}">
+                <asvg:svgBlip xmlns:asvg="http://schemas.microsoft.com/office/drawing/2016/SVG/main" r:embed="rId3"/>
+              </a:ext>
+            </a:extLst>
+          </a:blip>
+          <a:srcRect/>
+          <a:stretch/>
+        </p:blipFill>
+        <p:spPr>
+          <a:xfrm>
+            <a:off x="5028948" y="-171450"/>
+            <a:ext cx="9715500" cy="9715500"/>
+          </a:xfrm>
+          <a:prstGeom prst="rect">
+            <a:avLst/>
+          </a:prstGeom>
+        </p:spPr>
+      </p:pic>
+      <p:sp>
+        <p:nvSpPr>
+          <p:cNvPr id="3" name="TextBox 2">
+            <a:extLst>
+              <a:ext uri="{FF2B5EF4-FFF2-40B4-BE49-F238E27FC236}">
+                <a16:creationId xmlns:a16="http://schemas.microsoft.com/office/drawing/2014/main" id="{4CF1B6EC-8372-DF5B-E02D-14598EE81CCE}"/>
+              </a:ext>
+            </a:extLst>
+          </p:cNvPr>
+          <p:cNvSpPr txBox="1"/>
+          <p:nvPr/>
+        </p:nvSpPr>
+        <p:spPr>
+          <a:xfrm>
+            <a:off x="486779" y="2649049"/>
+            <a:ext cx="4720221" cy="4135427"/>
+          </a:xfrm>
+          <a:prstGeom prst="rect">
+            <a:avLst/>
+          </a:prstGeom>
+          <a:noFill/>
+        </p:spPr>
+        <p:txBody>
+          <a:bodyPr wrap="square">
+            <a:spAutoFit/>
+          </a:bodyPr>
+          <a:lstStyle/>
+          <a:p>
+            <a:pPr>
+              <a:lnSpc>
+                <a:spcPct val="115000"/>
+              </a:lnSpc>
+              <a:spcAft>
+                <a:spcPts val="800"/>
+              </a:spcAft>
+            </a:pPr>
+            <a:r>
+              <a:rPr lang="en-GB" sz="1600" kern="100" spc="75" dirty="0">
+                <a:solidFill>
+                  <a:srgbClr val="595959"/>
+                </a:solidFill>
+                <a:effectLst/>
+                <a:latin typeface="Trebuchet MS" panose="020B0603020202020204" pitchFamily="34" charset="0"/>
+                <a:ea typeface="Times New Roman" panose="02020603050405020304" pitchFamily="18" charset="0"/>
+                <a:cs typeface="Times New Roman" panose="02020603050405020304" pitchFamily="18" charset="0"/>
+              </a:rPr>
+              <a:t>You are an engineer for an experimental space exploration company, recently your team launched colin, an interplanetary explorer, into space. During a simple space walk they were hit by a bit of space debris, and they lost the ability to control their jetpack. </a:t>
+            </a:r>
+          </a:p>
+          <a:p>
+            <a:pPr>
+              <a:lnSpc>
+                <a:spcPct val="115000"/>
+              </a:lnSpc>
+              <a:spcAft>
+                <a:spcPts val="800"/>
+              </a:spcAft>
+            </a:pPr>
+            <a:r>
+              <a:rPr lang="en-GB" sz="1600" kern="100" spc="75" dirty="0">
+                <a:solidFill>
+                  <a:srgbClr val="595959"/>
+                </a:solidFill>
+                <a:effectLst/>
+                <a:latin typeface="Trebuchet MS" panose="020B0603020202020204" pitchFamily="34" charset="0"/>
+                <a:ea typeface="Times New Roman" panose="02020603050405020304" pitchFamily="18" charset="0"/>
+                <a:cs typeface="Times New Roman" panose="02020603050405020304" pitchFamily="18" charset="0"/>
+              </a:rPr>
+              <a:t>In a panicked frenzy they call space control for help, but you are the only one with the kit to help; use your B.E.A.C.O.N (Briefcase Emergency Assistance for Cosmic Operations and Navigation) to help guide the astronaut back to the shuttle before they run out of oxygen or fuel.</a:t>
+            </a:r>
+          </a:p>
+        </p:txBody>
+      </p:sp>
+    </p:spTree>
+    <p:extLst>
+      <p:ext uri="{BB962C8B-B14F-4D97-AF65-F5344CB8AC3E}">
+        <p14:creationId xmlns:p14="http://schemas.microsoft.com/office/powerpoint/2010/main" val="2070923500"/>
+      </p:ext>
+    </p:extLst>
+  </p:cSld>
+  <p:clrMapOvr>
+    <a:masterClrMapping/>
+  </p:clrMapOvr>
+  <p:transition spd="med">
+    <p:pull dir="r"/>
+  </p:transition>
+  <p:timing>
+    <p:tnLst>
+      <p:par>
+        <p:cTn id="1" dur="indefinite" restart="never" nodeType="tmRoot">
+          <p:childTnLst>
+            <p:seq concurrent="1" nextAc="seek">
+              <p:cTn id="2" dur="indefinite" nodeType="mainSeq">
+                <p:childTnLst>
+                  <p:par>
+                    <p:cTn id="3" fill="hold">
+                      <p:stCondLst>
+                        <p:cond delay="indefinite"/>
+                      </p:stCondLst>
+                      <p:childTnLst>
+                        <p:par>
+                          <p:cTn id="4" fill="hold">
+                            <p:stCondLst>
+                              <p:cond delay="0"/>
+                            </p:stCondLst>
+                            <p:childTnLst>
+                              <p:par>
+                                <p:cTn id="5" presetID="42" presetClass="entr" presetSubtype="0" fill="hold" grpId="0" nodeType="clickEffect">
+                                  <p:stCondLst>
+                                    <p:cond delay="0"/>
+                                  </p:stCondLst>
+                                  <p:childTnLst>
+                                    <p:set>
+                                      <p:cBhvr>
+                                        <p:cTn id="6" dur="1" fill="hold">
+                                          <p:stCondLst>
+                                            <p:cond delay="0"/>
+                                          </p:stCondLst>
+                                        </p:cTn>
+                                        <p:tgtEl>
+                                          <p:spTgt spid="3"/>
+                                        </p:tgtEl>
+                                        <p:attrNameLst>
+                                          <p:attrName>style.visibility</p:attrName>
+                                        </p:attrNameLst>
+                                      </p:cBhvr>
+                                      <p:to>
+                                        <p:strVal val="visible"/>
+                                      </p:to>
+                                    </p:set>
+                                    <p:animEffect transition="in" filter="fade">
+                                      <p:cBhvr>
+                                        <p:cTn id="7" dur="1000"/>
+                                        <p:tgtEl>
+                                          <p:spTgt spid="3"/>
+                                        </p:tgtEl>
+                                      </p:cBhvr>
+                                    </p:animEffect>
+                                    <p:anim calcmode="lin" valueType="num">
+                                      <p:cBhvr>
+                                        <p:cTn id="8" dur="1000" fill="hold"/>
+                                        <p:tgtEl>
+                                          <p:spTgt spid="3"/>
+                                        </p:tgtEl>
+                                        <p:attrNameLst>
+                                          <p:attrName>ppt_x</p:attrName>
+                                        </p:attrNameLst>
+                                      </p:cBhvr>
+                                      <p:tavLst>
+                                        <p:tav tm="0">
+                                          <p:val>
+                                            <p:strVal val="#ppt_x"/>
+                                          </p:val>
+                                        </p:tav>
+                                        <p:tav tm="100000">
+                                          <p:val>
+                                            <p:strVal val="#ppt_x"/>
+                                          </p:val>
+                                        </p:tav>
+                                      </p:tavLst>
+                                    </p:anim>
+                                    <p:anim calcmode="lin" valueType="num">
+                                      <p:cBhvr>
+                                        <p:cTn id="9" dur="1000" fill="hold"/>
+                                        <p:tgtEl>
+                                          <p:spTgt spid="3"/>
+                                        </p:tgtEl>
+                                        <p:attrNameLst>
+                                          <p:attrName>ppt_y</p:attrName>
+                                        </p:attrNameLst>
+                                      </p:cBhvr>
+                                      <p:tavLst>
+                                        <p:tav tm="0">
+                                          <p:val>
+                                            <p:strVal val="#ppt_y+.1"/>
+                                          </p:val>
+                                        </p:tav>
+                                        <p:tav tm="100000">
+                                          <p:val>
+                                            <p:strVal val="#ppt_y"/>
+                                          </p:val>
+                                        </p:tav>
+                                      </p:tavLst>
+                                    </p:anim>
+                                  </p:childTnLst>
+                                </p:cTn>
+                              </p:par>
+                            </p:childTnLst>
+                          </p:cTn>
+                        </p:par>
+                      </p:childTnLst>
+                    </p:cTn>
+                  </p:par>
+                </p:childTnLst>
+              </p:cTn>
+              <p:prevCondLst>
+                <p:cond evt="onPrev" delay="0">
+                  <p:tgtEl>
+                    <p:sldTgt/>
+                  </p:tgtEl>
+                </p:cond>
+              </p:prevCondLst>
+              <p:nextCondLst>
+                <p:cond evt="onNext" delay="0">
+                  <p:tgtEl>
+                    <p:sldTgt/>
+                  </p:tgtEl>
+                </p:cond>
+              </p:nextCondLst>
+            </p:seq>
+          </p:childTnLst>
+        </p:cTn>
+      </p:par>
+    </p:tnLst>
+    <p:bldLst>
+      <p:bldP spid="3" grpId="0"/>
+    </p:bldLst>
+  </p:timing>
+</p:sld>
+</file>
+
+<file path=ppt/slides/slide6.xml><?xml version="1.0" encoding="utf-8"?>
+<p:sld xmlns:a="http://schemas.openxmlformats.org/drawingml/2006/main" xmlns:r="http://schemas.openxmlformats.org/officeDocument/2006/relationships" xmlns:p="http://schemas.openxmlformats.org/presentationml/2006/main">
+  <p:cSld>
+    <p:spTree>
+      <p:nvGrpSpPr>
+        <p:cNvPr id="1" name="">
+          <a:extLst>
+            <a:ext uri="{FF2B5EF4-FFF2-40B4-BE49-F238E27FC236}">
+              <a16:creationId xmlns:a16="http://schemas.microsoft.com/office/drawing/2014/main" id="{973634A4-B044-F791-E37C-9DB3E8837D75}"/>
+            </a:ext>
+          </a:extLst>
+        </p:cNvPr>
+        <p:cNvGrpSpPr/>
+        <p:nvPr/>
+      </p:nvGrpSpPr>
+      <p:grpSpPr>
+        <a:xfrm>
+          <a:off x="0" y="0"/>
+          <a:ext cx="0" cy="0"/>
+          <a:chOff x="0" y="0"/>
+          <a:chExt cx="0" cy="0"/>
+        </a:xfrm>
+      </p:grpSpPr>
+      <p:sp>
+        <p:nvSpPr>
+          <p:cNvPr id="4" name="Rectangle 3">
+            <a:extLst>
+              <a:ext uri="{FF2B5EF4-FFF2-40B4-BE49-F238E27FC236}">
+                <a16:creationId xmlns:a16="http://schemas.microsoft.com/office/drawing/2014/main" id="{F3197003-693A-998D-6E5E-494A8C94AF52}"/>
+              </a:ext>
+            </a:extLst>
+          </p:cNvPr>
+          <p:cNvSpPr/>
+          <p:nvPr/>
+        </p:nvSpPr>
+        <p:spPr>
+          <a:xfrm flipV="1">
+            <a:off x="486779" y="1080598"/>
+            <a:ext cx="3358612" cy="65868"/>
+          </a:xfrm>
+          <a:prstGeom prst="rect">
+            <a:avLst/>
+          </a:prstGeom>
+          <a:ln>
+            <a:noFill/>
+          </a:ln>
+        </p:spPr>
+        <p:style>
+          <a:lnRef idx="2">
+            <a:schemeClr val="accent1">
+              <a:shade val="15000"/>
+            </a:schemeClr>
+          </a:lnRef>
+          <a:fillRef idx="1">
+            <a:schemeClr val="accent1"/>
+          </a:fillRef>
+          <a:effectRef idx="0">
+            <a:schemeClr val="accent1"/>
+          </a:effectRef>
+          <a:fontRef idx="minor">
+            <a:schemeClr val="lt1"/>
+          </a:fontRef>
+        </p:style>
+        <p:txBody>
+          <a:bodyPr rtlCol="0" anchor="ctr"/>
+          <a:lstStyle/>
+          <a:p>
+            <a:pPr algn="ctr"/>
+            <a:endParaRPr lang="en-GB"/>
+          </a:p>
+        </p:txBody>
+      </p:sp>
+      <p:sp>
+        <p:nvSpPr>
+          <p:cNvPr id="7" name="TextBox 6">
+            <a:extLst>
+              <a:ext uri="{FF2B5EF4-FFF2-40B4-BE49-F238E27FC236}">
+                <a16:creationId xmlns:a16="http://schemas.microsoft.com/office/drawing/2014/main" id="{163D0E39-E095-2BD8-679A-0ACCB3C8BC70}"/>
+              </a:ext>
+            </a:extLst>
+          </p:cNvPr>
+          <p:cNvSpPr txBox="1"/>
+          <p:nvPr/>
+        </p:nvSpPr>
+        <p:spPr>
+          <a:xfrm>
+            <a:off x="486779" y="434268"/>
+            <a:ext cx="1641796" cy="646331"/>
+          </a:xfrm>
+          <a:prstGeom prst="rect">
+            <a:avLst/>
+          </a:prstGeom>
+          <a:noFill/>
+        </p:spPr>
+        <p:txBody>
+          <a:bodyPr wrap="none" rtlCol="0">
+            <a:spAutoFit/>
+          </a:bodyPr>
+          <a:lstStyle/>
+          <a:p>
+            <a:r>
+              <a:rPr lang="en-GB" sz="3600" b="1" dirty="0">
+                <a:latin typeface="Neue Haas Grotesk Text Pro" panose="020B0504020202020204" pitchFamily="34" charset="0"/>
+              </a:rPr>
+              <a:t>Demo!</a:t>
+            </a:r>
+          </a:p>
+        </p:txBody>
+      </p:sp>
+      <p:sp>
+        <p:nvSpPr>
+          <p:cNvPr id="8" name="TextBox 7">
+            <a:extLst>
+              <a:ext uri="{FF2B5EF4-FFF2-40B4-BE49-F238E27FC236}">
+                <a16:creationId xmlns:a16="http://schemas.microsoft.com/office/drawing/2014/main" id="{135B67DF-0E50-2330-EDC0-6DD0D9CCA42A}"/>
+              </a:ext>
+            </a:extLst>
+          </p:cNvPr>
+          <p:cNvSpPr txBox="1"/>
+          <p:nvPr/>
+        </p:nvSpPr>
+        <p:spPr>
+          <a:xfrm>
+            <a:off x="486779" y="1331134"/>
+            <a:ext cx="7695687" cy="1569660"/>
+          </a:xfrm>
+          <a:prstGeom prst="rect">
+            <a:avLst/>
+          </a:prstGeom>
+          <a:noFill/>
+        </p:spPr>
+        <p:txBody>
+          <a:bodyPr wrap="square" rtlCol="0">
+            <a:spAutoFit/>
+          </a:bodyPr>
+          <a:lstStyle/>
+          <a:p>
+            <a:r>
+              <a:rPr lang="en-GB" sz="2400" dirty="0">
+                <a:latin typeface="+mj-lt"/>
+              </a:rPr>
+              <a:t>Be warned this is very much still work in progress and technical faults are bound to happen whilst working with experimental technology!</a:t>
+            </a:r>
+          </a:p>
+        </p:txBody>
+      </p:sp>
+      <p:pic>
+        <p:nvPicPr>
+          <p:cNvPr id="2" name="Graphic 1" descr="Gears">
+            <a:extLst>
+              <a:ext uri="{FF2B5EF4-FFF2-40B4-BE49-F238E27FC236}">
+                <a16:creationId xmlns:a16="http://schemas.microsoft.com/office/drawing/2014/main" id="{65BDD06F-4824-361A-300E-097744970004}"/>
+              </a:ext>
+            </a:extLst>
+          </p:cNvPr>
+          <p:cNvPicPr>
+            <a:picLocks noChangeAspect="1"/>
+          </p:cNvPicPr>
+          <p:nvPr/>
+        </p:nvPicPr>
+        <p:blipFill>
+          <a:blip r:embed="rId2">
+            <a:extLst>
+              <a:ext uri="{28A0092B-C50C-407E-A947-70E740481C1C}">
+                <a14:useLocalDpi xmlns:a14="http://schemas.microsoft.com/office/drawing/2010/main" val="0"/>
+              </a:ext>
+              <a:ext uri="{96DAC541-7B7A-43D3-8B79-37D633B846F1}">
+                <asvg:svgBlip xmlns:asvg="http://schemas.microsoft.com/office/drawing/2016/SVG/main" r:embed="rId3"/>
+              </a:ext>
+            </a:extLst>
+          </a:blip>
+          <a:stretch>
+            <a:fillRect/>
+          </a:stretch>
+        </p:blipFill>
+        <p:spPr>
+          <a:xfrm>
+            <a:off x="5028948" y="-171450"/>
+            <a:ext cx="9715500" cy="9715500"/>
+          </a:xfrm>
+          <a:prstGeom prst="rect">
+            <a:avLst/>
+          </a:prstGeom>
+        </p:spPr>
+      </p:pic>
+    </p:spTree>
+    <p:extLst>
+      <p:ext uri="{BB962C8B-B14F-4D97-AF65-F5344CB8AC3E}">
+        <p14:creationId xmlns:p14="http://schemas.microsoft.com/office/powerpoint/2010/main" val="3366352035"/>
+      </p:ext>
+    </p:extLst>
+  </p:cSld>
+  <p:clrMapOvr>
+    <a:masterClrMapping/>
+  </p:clrMapOvr>
+  <p:transition spd="med">
+    <p:pull dir="r"/>
+  </p:transition>
 </p:sld>
 </file>
 

--- a/Project/FYP Presentation.pptx
+++ b/Project/FYP Presentation.pptx
@@ -4,13 +4,23 @@
   <p:sldMasterIdLst>
     <p:sldMasterId id="2147483648" r:id="rId1"/>
   </p:sldMasterIdLst>
+  <p:notesMasterIdLst>
+    <p:notesMasterId r:id="rId15"/>
+  </p:notesMasterIdLst>
   <p:sldIdLst>
     <p:sldId id="256" r:id="rId2"/>
-    <p:sldId id="257" r:id="rId3"/>
-    <p:sldId id="258" r:id="rId4"/>
-    <p:sldId id="259" r:id="rId5"/>
-    <p:sldId id="260" r:id="rId6"/>
-    <p:sldId id="261" r:id="rId7"/>
+    <p:sldId id="264" r:id="rId3"/>
+    <p:sldId id="265" r:id="rId4"/>
+    <p:sldId id="257" r:id="rId5"/>
+    <p:sldId id="258" r:id="rId6"/>
+    <p:sldId id="260" r:id="rId7"/>
+    <p:sldId id="259" r:id="rId8"/>
+    <p:sldId id="263" r:id="rId9"/>
+    <p:sldId id="262" r:id="rId10"/>
+    <p:sldId id="261" r:id="rId11"/>
+    <p:sldId id="268" r:id="rId12"/>
+    <p:sldId id="266" r:id="rId13"/>
+    <p:sldId id="267" r:id="rId14"/>
   </p:sldIdLst>
   <p:sldSz cx="12192000" cy="6858000"/>
   <p:notesSz cx="6858000" cy="9144000"/>
@@ -117,6 +127,440 @@
 </p:presentation>
 </file>
 
+<file path=ppt/notesMasters/notesMaster1.xml><?xml version="1.0" encoding="utf-8"?>
+<p:notesMaster xmlns:a="http://schemas.openxmlformats.org/drawingml/2006/main" xmlns:r="http://schemas.openxmlformats.org/officeDocument/2006/relationships" xmlns:p="http://schemas.openxmlformats.org/presentationml/2006/main">
+  <p:cSld>
+    <p:bg>
+      <p:bgRef idx="1001">
+        <a:schemeClr val="bg1"/>
+      </p:bgRef>
+    </p:bg>
+    <p:spTree>
+      <p:nvGrpSpPr>
+        <p:cNvPr id="1" name=""/>
+        <p:cNvGrpSpPr/>
+        <p:nvPr/>
+      </p:nvGrpSpPr>
+      <p:grpSpPr>
+        <a:xfrm>
+          <a:off x="0" y="0"/>
+          <a:ext cx="0" cy="0"/>
+          <a:chOff x="0" y="0"/>
+          <a:chExt cx="0" cy="0"/>
+        </a:xfrm>
+      </p:grpSpPr>
+      <p:sp>
+        <p:nvSpPr>
+          <p:cNvPr id="2" name="Header Placeholder 1"/>
+          <p:cNvSpPr>
+            <a:spLocks noGrp="1"/>
+          </p:cNvSpPr>
+          <p:nvPr>
+            <p:ph type="hdr" sz="quarter"/>
+          </p:nvPr>
+        </p:nvSpPr>
+        <p:spPr>
+          <a:xfrm>
+            <a:off x="0" y="0"/>
+            <a:ext cx="2971800" cy="458788"/>
+          </a:xfrm>
+          <a:prstGeom prst="rect">
+            <a:avLst/>
+          </a:prstGeom>
+        </p:spPr>
+        <p:txBody>
+          <a:bodyPr vert="horz" lIns="91440" tIns="45720" rIns="91440" bIns="45720" rtlCol="0"/>
+          <a:lstStyle>
+            <a:lvl1pPr algn="l">
+              <a:defRPr sz="1200"/>
+            </a:lvl1pPr>
+          </a:lstStyle>
+          <a:p>
+            <a:endParaRPr lang="en-GB"/>
+          </a:p>
+        </p:txBody>
+      </p:sp>
+      <p:sp>
+        <p:nvSpPr>
+          <p:cNvPr id="3" name="Date Placeholder 2"/>
+          <p:cNvSpPr>
+            <a:spLocks noGrp="1"/>
+          </p:cNvSpPr>
+          <p:nvPr>
+            <p:ph type="dt" idx="1"/>
+          </p:nvPr>
+        </p:nvSpPr>
+        <p:spPr>
+          <a:xfrm>
+            <a:off x="3884613" y="0"/>
+            <a:ext cx="2971800" cy="458788"/>
+          </a:xfrm>
+          <a:prstGeom prst="rect">
+            <a:avLst/>
+          </a:prstGeom>
+        </p:spPr>
+        <p:txBody>
+          <a:bodyPr vert="horz" lIns="91440" tIns="45720" rIns="91440" bIns="45720" rtlCol="0"/>
+          <a:lstStyle>
+            <a:lvl1pPr algn="r">
+              <a:defRPr sz="1200"/>
+            </a:lvl1pPr>
+          </a:lstStyle>
+          <a:p>
+            <a:fld id="{070144E2-41A3-40CE-B8CF-A5D30DD4C761}" type="datetimeFigureOut">
+              <a:rPr lang="en-GB" smtClean="0"/>
+              <a:t>12/12/2024</a:t>
+            </a:fld>
+            <a:endParaRPr lang="en-GB"/>
+          </a:p>
+        </p:txBody>
+      </p:sp>
+      <p:sp>
+        <p:nvSpPr>
+          <p:cNvPr id="4" name="Slide Image Placeholder 3"/>
+          <p:cNvSpPr>
+            <a:spLocks noGrp="1" noRot="1" noChangeAspect="1"/>
+          </p:cNvSpPr>
+          <p:nvPr>
+            <p:ph type="sldImg" idx="2"/>
+          </p:nvPr>
+        </p:nvSpPr>
+        <p:spPr>
+          <a:xfrm>
+            <a:off x="685800" y="1143000"/>
+            <a:ext cx="5486400" cy="3086100"/>
+          </a:xfrm>
+          <a:prstGeom prst="rect">
+            <a:avLst/>
+          </a:prstGeom>
+          <a:noFill/>
+          <a:ln w="12700">
+            <a:solidFill>
+              <a:prstClr val="black"/>
+            </a:solidFill>
+          </a:ln>
+        </p:spPr>
+        <p:txBody>
+          <a:bodyPr vert="horz" lIns="91440" tIns="45720" rIns="91440" bIns="45720" rtlCol="0" anchor="ctr"/>
+          <a:lstStyle/>
+          <a:p>
+            <a:endParaRPr lang="en-GB"/>
+          </a:p>
+        </p:txBody>
+      </p:sp>
+      <p:sp>
+        <p:nvSpPr>
+          <p:cNvPr id="5" name="Notes Placeholder 4"/>
+          <p:cNvSpPr>
+            <a:spLocks noGrp="1"/>
+          </p:cNvSpPr>
+          <p:nvPr>
+            <p:ph type="body" sz="quarter" idx="3"/>
+          </p:nvPr>
+        </p:nvSpPr>
+        <p:spPr>
+          <a:xfrm>
+            <a:off x="685800" y="4400550"/>
+            <a:ext cx="5486400" cy="3600450"/>
+          </a:xfrm>
+          <a:prstGeom prst="rect">
+            <a:avLst/>
+          </a:prstGeom>
+        </p:spPr>
+        <p:txBody>
+          <a:bodyPr vert="horz" lIns="91440" tIns="45720" rIns="91440" bIns="45720" rtlCol="0"/>
+          <a:lstStyle/>
+          <a:p>
+            <a:pPr lvl="0"/>
+            <a:r>
+              <a:rPr lang="en-US"/>
+              <a:t>Click to edit Master text styles</a:t>
+            </a:r>
+          </a:p>
+          <a:p>
+            <a:pPr lvl="1"/>
+            <a:r>
+              <a:rPr lang="en-US"/>
+              <a:t>Second level</a:t>
+            </a:r>
+          </a:p>
+          <a:p>
+            <a:pPr lvl="2"/>
+            <a:r>
+              <a:rPr lang="en-US"/>
+              <a:t>Third level</a:t>
+            </a:r>
+          </a:p>
+          <a:p>
+            <a:pPr lvl="3"/>
+            <a:r>
+              <a:rPr lang="en-US"/>
+              <a:t>Fourth level</a:t>
+            </a:r>
+          </a:p>
+          <a:p>
+            <a:pPr lvl="4"/>
+            <a:r>
+              <a:rPr lang="en-US"/>
+              <a:t>Fifth level</a:t>
+            </a:r>
+            <a:endParaRPr lang="en-GB"/>
+          </a:p>
+        </p:txBody>
+      </p:sp>
+      <p:sp>
+        <p:nvSpPr>
+          <p:cNvPr id="6" name="Footer Placeholder 5"/>
+          <p:cNvSpPr>
+            <a:spLocks noGrp="1"/>
+          </p:cNvSpPr>
+          <p:nvPr>
+            <p:ph type="ftr" sz="quarter" idx="4"/>
+          </p:nvPr>
+        </p:nvSpPr>
+        <p:spPr>
+          <a:xfrm>
+            <a:off x="0" y="8685213"/>
+            <a:ext cx="2971800" cy="458787"/>
+          </a:xfrm>
+          <a:prstGeom prst="rect">
+            <a:avLst/>
+          </a:prstGeom>
+        </p:spPr>
+        <p:txBody>
+          <a:bodyPr vert="horz" lIns="91440" tIns="45720" rIns="91440" bIns="45720" rtlCol="0" anchor="b"/>
+          <a:lstStyle>
+            <a:lvl1pPr algn="l">
+              <a:defRPr sz="1200"/>
+            </a:lvl1pPr>
+          </a:lstStyle>
+          <a:p>
+            <a:endParaRPr lang="en-GB"/>
+          </a:p>
+        </p:txBody>
+      </p:sp>
+      <p:sp>
+        <p:nvSpPr>
+          <p:cNvPr id="7" name="Slide Number Placeholder 6"/>
+          <p:cNvSpPr>
+            <a:spLocks noGrp="1"/>
+          </p:cNvSpPr>
+          <p:nvPr>
+            <p:ph type="sldNum" sz="quarter" idx="5"/>
+          </p:nvPr>
+        </p:nvSpPr>
+        <p:spPr>
+          <a:xfrm>
+            <a:off x="3884613" y="8685213"/>
+            <a:ext cx="2971800" cy="458787"/>
+          </a:xfrm>
+          <a:prstGeom prst="rect">
+            <a:avLst/>
+          </a:prstGeom>
+        </p:spPr>
+        <p:txBody>
+          <a:bodyPr vert="horz" lIns="91440" tIns="45720" rIns="91440" bIns="45720" rtlCol="0" anchor="b"/>
+          <a:lstStyle>
+            <a:lvl1pPr algn="r">
+              <a:defRPr sz="1200"/>
+            </a:lvl1pPr>
+          </a:lstStyle>
+          <a:p>
+            <a:fld id="{76B77A3B-EDB9-4C12-A8F5-9E86ED716F29}" type="slidenum">
+              <a:rPr lang="en-GB" smtClean="0"/>
+              <a:t>‹#›</a:t>
+            </a:fld>
+            <a:endParaRPr lang="en-GB"/>
+          </a:p>
+        </p:txBody>
+      </p:sp>
+    </p:spTree>
+    <p:extLst>
+      <p:ext uri="{BB962C8B-B14F-4D97-AF65-F5344CB8AC3E}">
+        <p14:creationId xmlns:p14="http://schemas.microsoft.com/office/powerpoint/2010/main" val="1386183517"/>
+      </p:ext>
+    </p:extLst>
+  </p:cSld>
+  <p:clrMap bg1="lt1" tx1="dk1" bg2="lt2" tx2="dk2" accent1="accent1" accent2="accent2" accent3="accent3" accent4="accent4" accent5="accent5" accent6="accent6" hlink="hlink" folHlink="folHlink"/>
+  <p:notesStyle>
+    <a:lvl1pPr marL="0" algn="l" defTabSz="914400" rtl="0" eaLnBrk="1" latinLnBrk="0" hangingPunct="1">
+      <a:defRPr sz="1200" kern="1200">
+        <a:solidFill>
+          <a:schemeClr val="tx1"/>
+        </a:solidFill>
+        <a:latin typeface="+mn-lt"/>
+        <a:ea typeface="+mn-ea"/>
+        <a:cs typeface="+mn-cs"/>
+      </a:defRPr>
+    </a:lvl1pPr>
+    <a:lvl2pPr marL="457200" algn="l" defTabSz="914400" rtl="0" eaLnBrk="1" latinLnBrk="0" hangingPunct="1">
+      <a:defRPr sz="1200" kern="1200">
+        <a:solidFill>
+          <a:schemeClr val="tx1"/>
+        </a:solidFill>
+        <a:latin typeface="+mn-lt"/>
+        <a:ea typeface="+mn-ea"/>
+        <a:cs typeface="+mn-cs"/>
+      </a:defRPr>
+    </a:lvl2pPr>
+    <a:lvl3pPr marL="914400" algn="l" defTabSz="914400" rtl="0" eaLnBrk="1" latinLnBrk="0" hangingPunct="1">
+      <a:defRPr sz="1200" kern="1200">
+        <a:solidFill>
+          <a:schemeClr val="tx1"/>
+        </a:solidFill>
+        <a:latin typeface="+mn-lt"/>
+        <a:ea typeface="+mn-ea"/>
+        <a:cs typeface="+mn-cs"/>
+      </a:defRPr>
+    </a:lvl3pPr>
+    <a:lvl4pPr marL="1371600" algn="l" defTabSz="914400" rtl="0" eaLnBrk="1" latinLnBrk="0" hangingPunct="1">
+      <a:defRPr sz="1200" kern="1200">
+        <a:solidFill>
+          <a:schemeClr val="tx1"/>
+        </a:solidFill>
+        <a:latin typeface="+mn-lt"/>
+        <a:ea typeface="+mn-ea"/>
+        <a:cs typeface="+mn-cs"/>
+      </a:defRPr>
+    </a:lvl4pPr>
+    <a:lvl5pPr marL="1828800" algn="l" defTabSz="914400" rtl="0" eaLnBrk="1" latinLnBrk="0" hangingPunct="1">
+      <a:defRPr sz="1200" kern="1200">
+        <a:solidFill>
+          <a:schemeClr val="tx1"/>
+        </a:solidFill>
+        <a:latin typeface="+mn-lt"/>
+        <a:ea typeface="+mn-ea"/>
+        <a:cs typeface="+mn-cs"/>
+      </a:defRPr>
+    </a:lvl5pPr>
+    <a:lvl6pPr marL="2286000" algn="l" defTabSz="914400" rtl="0" eaLnBrk="1" latinLnBrk="0" hangingPunct="1">
+      <a:defRPr sz="1200" kern="1200">
+        <a:solidFill>
+          <a:schemeClr val="tx1"/>
+        </a:solidFill>
+        <a:latin typeface="+mn-lt"/>
+        <a:ea typeface="+mn-ea"/>
+        <a:cs typeface="+mn-cs"/>
+      </a:defRPr>
+    </a:lvl6pPr>
+    <a:lvl7pPr marL="2743200" algn="l" defTabSz="914400" rtl="0" eaLnBrk="1" latinLnBrk="0" hangingPunct="1">
+      <a:defRPr sz="1200" kern="1200">
+        <a:solidFill>
+          <a:schemeClr val="tx1"/>
+        </a:solidFill>
+        <a:latin typeface="+mn-lt"/>
+        <a:ea typeface="+mn-ea"/>
+        <a:cs typeface="+mn-cs"/>
+      </a:defRPr>
+    </a:lvl7pPr>
+    <a:lvl8pPr marL="3200400" algn="l" defTabSz="914400" rtl="0" eaLnBrk="1" latinLnBrk="0" hangingPunct="1">
+      <a:defRPr sz="1200" kern="1200">
+        <a:solidFill>
+          <a:schemeClr val="tx1"/>
+        </a:solidFill>
+        <a:latin typeface="+mn-lt"/>
+        <a:ea typeface="+mn-ea"/>
+        <a:cs typeface="+mn-cs"/>
+      </a:defRPr>
+    </a:lvl8pPr>
+    <a:lvl9pPr marL="3657600" algn="l" defTabSz="914400" rtl="0" eaLnBrk="1" latinLnBrk="0" hangingPunct="1">
+      <a:defRPr sz="1200" kern="1200">
+        <a:solidFill>
+          <a:schemeClr val="tx1"/>
+        </a:solidFill>
+        <a:latin typeface="+mn-lt"/>
+        <a:ea typeface="+mn-ea"/>
+        <a:cs typeface="+mn-cs"/>
+      </a:defRPr>
+    </a:lvl9pPr>
+  </p:notesStyle>
+</p:notesMaster>
+</file>
+
+<file path=ppt/notesSlides/notesSlide1.xml><?xml version="1.0" encoding="utf-8"?>
+<p:notes xmlns:a="http://schemas.openxmlformats.org/drawingml/2006/main" xmlns:r="http://schemas.openxmlformats.org/officeDocument/2006/relationships" xmlns:p="http://schemas.openxmlformats.org/presentationml/2006/main">
+  <p:cSld>
+    <p:spTree>
+      <p:nvGrpSpPr>
+        <p:cNvPr id="1" name=""/>
+        <p:cNvGrpSpPr/>
+        <p:nvPr/>
+      </p:nvGrpSpPr>
+      <p:grpSpPr>
+        <a:xfrm>
+          <a:off x="0" y="0"/>
+          <a:ext cx="0" cy="0"/>
+          <a:chOff x="0" y="0"/>
+          <a:chExt cx="0" cy="0"/>
+        </a:xfrm>
+      </p:grpSpPr>
+      <p:sp>
+        <p:nvSpPr>
+          <p:cNvPr id="2" name="Slide Image Placeholder 1"/>
+          <p:cNvSpPr>
+            <a:spLocks noGrp="1" noRot="1" noChangeAspect="1"/>
+          </p:cNvSpPr>
+          <p:nvPr>
+            <p:ph type="sldImg"/>
+          </p:nvPr>
+        </p:nvSpPr>
+        <p:spPr/>
+      </p:sp>
+      <p:sp>
+        <p:nvSpPr>
+          <p:cNvPr id="3" name="Notes Placeholder 2"/>
+          <p:cNvSpPr>
+            <a:spLocks noGrp="1"/>
+          </p:cNvSpPr>
+          <p:nvPr>
+            <p:ph type="body" idx="1"/>
+          </p:nvPr>
+        </p:nvSpPr>
+        <p:spPr/>
+        <p:txBody>
+          <a:bodyPr/>
+          <a:lstStyle/>
+          <a:p>
+            <a:endParaRPr lang="en-GB" dirty="0"/>
+          </a:p>
+        </p:txBody>
+      </p:sp>
+      <p:sp>
+        <p:nvSpPr>
+          <p:cNvPr id="4" name="Slide Number Placeholder 3"/>
+          <p:cNvSpPr>
+            <a:spLocks noGrp="1"/>
+          </p:cNvSpPr>
+          <p:nvPr>
+            <p:ph type="sldNum" sz="quarter" idx="5"/>
+          </p:nvPr>
+        </p:nvSpPr>
+        <p:spPr/>
+        <p:txBody>
+          <a:bodyPr/>
+          <a:lstStyle/>
+          <a:p>
+            <a:fld id="{76B77A3B-EDB9-4C12-A8F5-9E86ED716F29}" type="slidenum">
+              <a:rPr lang="en-GB" smtClean="0"/>
+              <a:t>8</a:t>
+            </a:fld>
+            <a:endParaRPr lang="en-GB"/>
+          </a:p>
+        </p:txBody>
+      </p:sp>
+    </p:spTree>
+    <p:extLst>
+      <p:ext uri="{BB962C8B-B14F-4D97-AF65-F5344CB8AC3E}">
+        <p14:creationId xmlns:p14="http://schemas.microsoft.com/office/powerpoint/2010/main" val="1390819878"/>
+      </p:ext>
+    </p:extLst>
+  </p:cSld>
+  <p:clrMapOvr>
+    <a:masterClrMapping/>
+  </p:clrMapOvr>
+</p:notes>
+</file>
+
 <file path=ppt/slideLayouts/slideLayout1.xml><?xml version="1.0" encoding="utf-8"?>
 <p:sldLayout xmlns:a="http://schemas.openxmlformats.org/drawingml/2006/main" xmlns:r="http://schemas.openxmlformats.org/officeDocument/2006/relationships" xmlns:p="http://schemas.openxmlformats.org/presentationml/2006/main" type="title" preserve="1">
   <p:cSld name="Title Slide">
@@ -266,7 +710,7 @@
           <a:p>
             <a:fld id="{EE0C1E54-EDD0-40A8-81C2-C9BEB94C2059}" type="datetimeFigureOut">
               <a:rPr lang="en-GB" smtClean="0"/>
-              <a:t>01/12/2024</a:t>
+              <a:t>12/12/2024</a:t>
             </a:fld>
             <a:endParaRPr lang="en-GB"/>
           </a:p>
@@ -466,7 +910,7 @@
           <a:p>
             <a:fld id="{EE0C1E54-EDD0-40A8-81C2-C9BEB94C2059}" type="datetimeFigureOut">
               <a:rPr lang="en-GB" smtClean="0"/>
-              <a:t>01/12/2024</a:t>
+              <a:t>12/12/2024</a:t>
             </a:fld>
             <a:endParaRPr lang="en-GB"/>
           </a:p>
@@ -676,7 +1120,7 @@
           <a:p>
             <a:fld id="{EE0C1E54-EDD0-40A8-81C2-C9BEB94C2059}" type="datetimeFigureOut">
               <a:rPr lang="en-GB" smtClean="0"/>
-              <a:t>01/12/2024</a:t>
+              <a:t>12/12/2024</a:t>
             </a:fld>
             <a:endParaRPr lang="en-GB"/>
           </a:p>
@@ -876,7 +1320,7 @@
           <a:p>
             <a:fld id="{EE0C1E54-EDD0-40A8-81C2-C9BEB94C2059}" type="datetimeFigureOut">
               <a:rPr lang="en-GB" smtClean="0"/>
-              <a:t>01/12/2024</a:t>
+              <a:t>12/12/2024</a:t>
             </a:fld>
             <a:endParaRPr lang="en-GB"/>
           </a:p>
@@ -1152,7 +1596,7 @@
           <a:p>
             <a:fld id="{EE0C1E54-EDD0-40A8-81C2-C9BEB94C2059}" type="datetimeFigureOut">
               <a:rPr lang="en-GB" smtClean="0"/>
-              <a:t>01/12/2024</a:t>
+              <a:t>12/12/2024</a:t>
             </a:fld>
             <a:endParaRPr lang="en-GB"/>
           </a:p>
@@ -1420,7 +1864,7 @@
           <a:p>
             <a:fld id="{EE0C1E54-EDD0-40A8-81C2-C9BEB94C2059}" type="datetimeFigureOut">
               <a:rPr lang="en-GB" smtClean="0"/>
-              <a:t>01/12/2024</a:t>
+              <a:t>12/12/2024</a:t>
             </a:fld>
             <a:endParaRPr lang="en-GB"/>
           </a:p>
@@ -1835,7 +2279,7 @@
           <a:p>
             <a:fld id="{EE0C1E54-EDD0-40A8-81C2-C9BEB94C2059}" type="datetimeFigureOut">
               <a:rPr lang="en-GB" smtClean="0"/>
-              <a:t>01/12/2024</a:t>
+              <a:t>12/12/2024</a:t>
             </a:fld>
             <a:endParaRPr lang="en-GB"/>
           </a:p>
@@ -1977,7 +2421,7 @@
           <a:p>
             <a:fld id="{EE0C1E54-EDD0-40A8-81C2-C9BEB94C2059}" type="datetimeFigureOut">
               <a:rPr lang="en-GB" smtClean="0"/>
-              <a:t>01/12/2024</a:t>
+              <a:t>12/12/2024</a:t>
             </a:fld>
             <a:endParaRPr lang="en-GB"/>
           </a:p>
@@ -2090,7 +2534,7 @@
           <a:p>
             <a:fld id="{EE0C1E54-EDD0-40A8-81C2-C9BEB94C2059}" type="datetimeFigureOut">
               <a:rPr lang="en-GB" smtClean="0"/>
-              <a:t>01/12/2024</a:t>
+              <a:t>12/12/2024</a:t>
             </a:fld>
             <a:endParaRPr lang="en-GB"/>
           </a:p>
@@ -2403,7 +2847,7 @@
           <a:p>
             <a:fld id="{EE0C1E54-EDD0-40A8-81C2-C9BEB94C2059}" type="datetimeFigureOut">
               <a:rPr lang="en-GB" smtClean="0"/>
-              <a:t>01/12/2024</a:t>
+              <a:t>12/12/2024</a:t>
             </a:fld>
             <a:endParaRPr lang="en-GB"/>
           </a:p>
@@ -2692,7 +3136,7 @@
           <a:p>
             <a:fld id="{EE0C1E54-EDD0-40A8-81C2-C9BEB94C2059}" type="datetimeFigureOut">
               <a:rPr lang="en-GB" smtClean="0"/>
-              <a:t>01/12/2024</a:t>
+              <a:t>12/12/2024</a:t>
             </a:fld>
             <a:endParaRPr lang="en-GB"/>
           </a:p>
@@ -2935,7 +3379,7 @@
           <a:p>
             <a:fld id="{EE0C1E54-EDD0-40A8-81C2-C9BEB94C2059}" type="datetimeFigureOut">
               <a:rPr lang="en-GB" smtClean="0"/>
-              <a:t>01/12/2024</a:t>
+              <a:t>12/12/2024</a:t>
             </a:fld>
             <a:endParaRPr lang="en-GB"/>
           </a:p>
@@ -3531,7 +3975,1410 @@
 </p:sld>
 </file>
 
+<file path=ppt/slides/slide10.xml><?xml version="1.0" encoding="utf-8"?>
+<p:sld xmlns:a="http://schemas.openxmlformats.org/drawingml/2006/main" xmlns:r="http://schemas.openxmlformats.org/officeDocument/2006/relationships" xmlns:p="http://schemas.openxmlformats.org/presentationml/2006/main">
+  <p:cSld>
+    <p:spTree>
+      <p:nvGrpSpPr>
+        <p:cNvPr id="1" name="">
+          <a:extLst>
+            <a:ext uri="{FF2B5EF4-FFF2-40B4-BE49-F238E27FC236}">
+              <a16:creationId xmlns:a16="http://schemas.microsoft.com/office/drawing/2014/main" id="{973634A4-B044-F791-E37C-9DB3E8837D75}"/>
+            </a:ext>
+          </a:extLst>
+        </p:cNvPr>
+        <p:cNvGrpSpPr/>
+        <p:nvPr/>
+      </p:nvGrpSpPr>
+      <p:grpSpPr>
+        <a:xfrm>
+          <a:off x="0" y="0"/>
+          <a:ext cx="0" cy="0"/>
+          <a:chOff x="0" y="0"/>
+          <a:chExt cx="0" cy="0"/>
+        </a:xfrm>
+      </p:grpSpPr>
+      <p:sp>
+        <p:nvSpPr>
+          <p:cNvPr id="4" name="Rectangle 3">
+            <a:extLst>
+              <a:ext uri="{FF2B5EF4-FFF2-40B4-BE49-F238E27FC236}">
+                <a16:creationId xmlns:a16="http://schemas.microsoft.com/office/drawing/2014/main" id="{F3197003-693A-998D-6E5E-494A8C94AF52}"/>
+              </a:ext>
+            </a:extLst>
+          </p:cNvPr>
+          <p:cNvSpPr/>
+          <p:nvPr/>
+        </p:nvSpPr>
+        <p:spPr>
+          <a:xfrm flipV="1">
+            <a:off x="486779" y="1080598"/>
+            <a:ext cx="3358612" cy="65868"/>
+          </a:xfrm>
+          <a:prstGeom prst="rect">
+            <a:avLst/>
+          </a:prstGeom>
+          <a:ln>
+            <a:noFill/>
+          </a:ln>
+        </p:spPr>
+        <p:style>
+          <a:lnRef idx="2">
+            <a:schemeClr val="accent1">
+              <a:shade val="15000"/>
+            </a:schemeClr>
+          </a:lnRef>
+          <a:fillRef idx="1">
+            <a:schemeClr val="accent1"/>
+          </a:fillRef>
+          <a:effectRef idx="0">
+            <a:schemeClr val="accent1"/>
+          </a:effectRef>
+          <a:fontRef idx="minor">
+            <a:schemeClr val="lt1"/>
+          </a:fontRef>
+        </p:style>
+        <p:txBody>
+          <a:bodyPr rtlCol="0" anchor="ctr"/>
+          <a:lstStyle/>
+          <a:p>
+            <a:pPr algn="ctr"/>
+            <a:endParaRPr lang="en-GB"/>
+          </a:p>
+        </p:txBody>
+      </p:sp>
+      <p:sp>
+        <p:nvSpPr>
+          <p:cNvPr id="7" name="TextBox 6">
+            <a:extLst>
+              <a:ext uri="{FF2B5EF4-FFF2-40B4-BE49-F238E27FC236}">
+                <a16:creationId xmlns:a16="http://schemas.microsoft.com/office/drawing/2014/main" id="{163D0E39-E095-2BD8-679A-0ACCB3C8BC70}"/>
+              </a:ext>
+            </a:extLst>
+          </p:cNvPr>
+          <p:cNvSpPr txBox="1"/>
+          <p:nvPr/>
+        </p:nvSpPr>
+        <p:spPr>
+          <a:xfrm>
+            <a:off x="486779" y="434268"/>
+            <a:ext cx="2680542" cy="646331"/>
+          </a:xfrm>
+          <a:prstGeom prst="rect">
+            <a:avLst/>
+          </a:prstGeom>
+          <a:noFill/>
+        </p:spPr>
+        <p:txBody>
+          <a:bodyPr wrap="none" rtlCol="0">
+            <a:spAutoFit/>
+          </a:bodyPr>
+          <a:lstStyle/>
+          <a:p>
+            <a:r>
+              <a:rPr lang="en-GB" sz="3600" b="1" dirty="0">
+                <a:latin typeface="Neue Haas Grotesk Text Pro" panose="020B0504020202020204" pitchFamily="34" charset="0"/>
+              </a:rPr>
+              <a:t>Live Demo!</a:t>
+            </a:r>
+          </a:p>
+        </p:txBody>
+      </p:sp>
+      <p:sp>
+        <p:nvSpPr>
+          <p:cNvPr id="8" name="TextBox 7">
+            <a:extLst>
+              <a:ext uri="{FF2B5EF4-FFF2-40B4-BE49-F238E27FC236}">
+                <a16:creationId xmlns:a16="http://schemas.microsoft.com/office/drawing/2014/main" id="{135B67DF-0E50-2330-EDC0-6DD0D9CCA42A}"/>
+              </a:ext>
+            </a:extLst>
+          </p:cNvPr>
+          <p:cNvSpPr txBox="1"/>
+          <p:nvPr/>
+        </p:nvSpPr>
+        <p:spPr>
+          <a:xfrm>
+            <a:off x="486779" y="1331134"/>
+            <a:ext cx="7695687" cy="1569660"/>
+          </a:xfrm>
+          <a:prstGeom prst="rect">
+            <a:avLst/>
+          </a:prstGeom>
+          <a:noFill/>
+        </p:spPr>
+        <p:txBody>
+          <a:bodyPr wrap="square" rtlCol="0">
+            <a:spAutoFit/>
+          </a:bodyPr>
+          <a:lstStyle/>
+          <a:p>
+            <a:r>
+              <a:rPr lang="en-GB" sz="2400" dirty="0">
+                <a:latin typeface="+mj-lt"/>
+              </a:rPr>
+              <a:t>Be warned this is very much still work in progress and technical faults are bound to happen whilst working with experimental technology!</a:t>
+            </a:r>
+          </a:p>
+        </p:txBody>
+      </p:sp>
+      <p:pic>
+        <p:nvPicPr>
+          <p:cNvPr id="2" name="Graphic 1" descr="Gears">
+            <a:extLst>
+              <a:ext uri="{FF2B5EF4-FFF2-40B4-BE49-F238E27FC236}">
+                <a16:creationId xmlns:a16="http://schemas.microsoft.com/office/drawing/2014/main" id="{65BDD06F-4824-361A-300E-097744970004}"/>
+              </a:ext>
+            </a:extLst>
+          </p:cNvPr>
+          <p:cNvPicPr>
+            <a:picLocks noChangeAspect="1"/>
+          </p:cNvPicPr>
+          <p:nvPr/>
+        </p:nvPicPr>
+        <p:blipFill>
+          <a:blip r:embed="rId2">
+            <a:extLst>
+              <a:ext uri="{28A0092B-C50C-407E-A947-70E740481C1C}">
+                <a14:useLocalDpi xmlns:a14="http://schemas.microsoft.com/office/drawing/2010/main" val="0"/>
+              </a:ext>
+              <a:ext uri="{96DAC541-7B7A-43D3-8B79-37D633B846F1}">
+                <asvg:svgBlip xmlns:asvg="http://schemas.microsoft.com/office/drawing/2016/SVG/main" r:embed="rId3"/>
+              </a:ext>
+            </a:extLst>
+          </a:blip>
+          <a:stretch>
+            <a:fillRect/>
+          </a:stretch>
+        </p:blipFill>
+        <p:spPr>
+          <a:xfrm>
+            <a:off x="5028948" y="-171450"/>
+            <a:ext cx="9715500" cy="9715500"/>
+          </a:xfrm>
+          <a:prstGeom prst="rect">
+            <a:avLst/>
+          </a:prstGeom>
+        </p:spPr>
+      </p:pic>
+    </p:spTree>
+    <p:extLst>
+      <p:ext uri="{BB962C8B-B14F-4D97-AF65-F5344CB8AC3E}">
+        <p14:creationId xmlns:p14="http://schemas.microsoft.com/office/powerpoint/2010/main" val="3366352035"/>
+      </p:ext>
+    </p:extLst>
+  </p:cSld>
+  <p:clrMapOvr>
+    <a:masterClrMapping/>
+  </p:clrMapOvr>
+  <p:transition spd="med">
+    <p:pull dir="r"/>
+  </p:transition>
+</p:sld>
+</file>
+
+<file path=ppt/slides/slide11.xml><?xml version="1.0" encoding="utf-8"?>
+<p:sld xmlns:a="http://schemas.openxmlformats.org/drawingml/2006/main" xmlns:r="http://schemas.openxmlformats.org/officeDocument/2006/relationships" xmlns:p="http://schemas.openxmlformats.org/presentationml/2006/main">
+  <p:cSld>
+    <p:spTree>
+      <p:nvGrpSpPr>
+        <p:cNvPr id="1" name="">
+          <a:extLst>
+            <a:ext uri="{FF2B5EF4-FFF2-40B4-BE49-F238E27FC236}">
+              <a16:creationId xmlns:a16="http://schemas.microsoft.com/office/drawing/2014/main" id="{B1097F82-0BE2-9D49-9A3F-DE3C86826C41}"/>
+            </a:ext>
+          </a:extLst>
+        </p:cNvPr>
+        <p:cNvGrpSpPr/>
+        <p:nvPr/>
+      </p:nvGrpSpPr>
+      <p:grpSpPr>
+        <a:xfrm>
+          <a:off x="0" y="0"/>
+          <a:ext cx="0" cy="0"/>
+          <a:chOff x="0" y="0"/>
+          <a:chExt cx="0" cy="0"/>
+        </a:xfrm>
+      </p:grpSpPr>
+      <p:sp>
+        <p:nvSpPr>
+          <p:cNvPr id="4" name="Rectangle 3">
+            <a:extLst>
+              <a:ext uri="{FF2B5EF4-FFF2-40B4-BE49-F238E27FC236}">
+                <a16:creationId xmlns:a16="http://schemas.microsoft.com/office/drawing/2014/main" id="{B4620597-647A-47A0-060E-2E20CEF39EC4}"/>
+              </a:ext>
+            </a:extLst>
+          </p:cNvPr>
+          <p:cNvSpPr/>
+          <p:nvPr/>
+        </p:nvSpPr>
+        <p:spPr>
+          <a:xfrm flipV="1">
+            <a:off x="486779" y="1080598"/>
+            <a:ext cx="3358612" cy="65868"/>
+          </a:xfrm>
+          <a:prstGeom prst="rect">
+            <a:avLst/>
+          </a:prstGeom>
+          <a:ln>
+            <a:noFill/>
+          </a:ln>
+        </p:spPr>
+        <p:style>
+          <a:lnRef idx="2">
+            <a:schemeClr val="accent1">
+              <a:shade val="15000"/>
+            </a:schemeClr>
+          </a:lnRef>
+          <a:fillRef idx="1">
+            <a:schemeClr val="accent1"/>
+          </a:fillRef>
+          <a:effectRef idx="0">
+            <a:schemeClr val="accent1"/>
+          </a:effectRef>
+          <a:fontRef idx="minor">
+            <a:schemeClr val="lt1"/>
+          </a:fontRef>
+        </p:style>
+        <p:txBody>
+          <a:bodyPr rtlCol="0" anchor="ctr"/>
+          <a:lstStyle/>
+          <a:p>
+            <a:pPr algn="ctr"/>
+            <a:endParaRPr lang="en-GB"/>
+          </a:p>
+        </p:txBody>
+      </p:sp>
+      <p:sp>
+        <p:nvSpPr>
+          <p:cNvPr id="7" name="TextBox 6">
+            <a:extLst>
+              <a:ext uri="{FF2B5EF4-FFF2-40B4-BE49-F238E27FC236}">
+                <a16:creationId xmlns:a16="http://schemas.microsoft.com/office/drawing/2014/main" id="{FF92FE0F-817F-E9AA-BE00-12BB58725080}"/>
+              </a:ext>
+            </a:extLst>
+          </p:cNvPr>
+          <p:cNvSpPr txBox="1"/>
+          <p:nvPr/>
+        </p:nvSpPr>
+        <p:spPr>
+          <a:xfrm>
+            <a:off x="486779" y="434268"/>
+            <a:ext cx="3770584" cy="646331"/>
+          </a:xfrm>
+          <a:prstGeom prst="rect">
+            <a:avLst/>
+          </a:prstGeom>
+          <a:noFill/>
+        </p:spPr>
+        <p:txBody>
+          <a:bodyPr wrap="none" rtlCol="0">
+            <a:spAutoFit/>
+          </a:bodyPr>
+          <a:lstStyle/>
+          <a:p>
+            <a:r>
+              <a:rPr lang="en-GB" sz="3600" b="1" dirty="0">
+                <a:latin typeface="Neue Haas Grotesk Text Pro" panose="020B0504020202020204" pitchFamily="34" charset="0"/>
+              </a:rPr>
+              <a:t>Progress Check</a:t>
+            </a:r>
+          </a:p>
+        </p:txBody>
+      </p:sp>
+      <p:pic>
+        <p:nvPicPr>
+          <p:cNvPr id="2" name="Gráfico 58" descr="Checklist">
+            <a:extLst>
+              <a:ext uri="{FF2B5EF4-FFF2-40B4-BE49-F238E27FC236}">
+                <a16:creationId xmlns:a16="http://schemas.microsoft.com/office/drawing/2014/main" id="{ABA22E00-95F4-A0E8-7158-0C7B62CFA9A5}"/>
+              </a:ext>
+            </a:extLst>
+          </p:cNvPr>
+          <p:cNvPicPr>
+            <a:picLocks noChangeAspect="1"/>
+          </p:cNvPicPr>
+          <p:nvPr/>
+        </p:nvPicPr>
+        <p:blipFill>
+          <a:blip r:embed="rId2">
+            <a:extLst>
+              <a:ext uri="{28A0092B-C50C-407E-A947-70E740481C1C}">
+                <a14:useLocalDpi xmlns:a14="http://schemas.microsoft.com/office/drawing/2010/main" val="0"/>
+              </a:ext>
+              <a:ext uri="{96DAC541-7B7A-43D3-8B79-37D633B846F1}">
+                <asvg:svgBlip xmlns:asvg="http://schemas.microsoft.com/office/drawing/2016/SVG/main" r:embed="rId3"/>
+              </a:ext>
+            </a:extLst>
+          </a:blip>
+          <a:stretch>
+            <a:fillRect/>
+          </a:stretch>
+        </p:blipFill>
+        <p:spPr>
+          <a:xfrm>
+            <a:off x="5028948" y="-171450"/>
+            <a:ext cx="9715500" cy="9715500"/>
+          </a:xfrm>
+          <a:prstGeom prst="rect">
+            <a:avLst/>
+          </a:prstGeom>
+        </p:spPr>
+      </p:pic>
+      <p:sp>
+        <p:nvSpPr>
+          <p:cNvPr id="3" name="TextBox 2">
+            <a:extLst>
+              <a:ext uri="{FF2B5EF4-FFF2-40B4-BE49-F238E27FC236}">
+                <a16:creationId xmlns:a16="http://schemas.microsoft.com/office/drawing/2014/main" id="{F5857D87-3D64-FF8D-42CB-519BFCE252A2}"/>
+              </a:ext>
+            </a:extLst>
+          </p:cNvPr>
+          <p:cNvSpPr txBox="1"/>
+          <p:nvPr/>
+        </p:nvSpPr>
+        <p:spPr>
+          <a:xfrm>
+            <a:off x="486779" y="1331134"/>
+            <a:ext cx="6396621" cy="1569660"/>
+          </a:xfrm>
+          <a:prstGeom prst="rect">
+            <a:avLst/>
+          </a:prstGeom>
+          <a:noFill/>
+        </p:spPr>
+        <p:txBody>
+          <a:bodyPr wrap="square" rtlCol="0">
+            <a:spAutoFit/>
+          </a:bodyPr>
+          <a:lstStyle/>
+          <a:p>
+            <a:pPr marL="342900" indent="-342900">
+              <a:buFont typeface="Arial" panose="020B0604020202020204" pitchFamily="34" charset="0"/>
+              <a:buChar char="•"/>
+            </a:pPr>
+            <a:r>
+              <a:rPr lang="en-GB" sz="2400" dirty="0">
+                <a:latin typeface="+mj-lt"/>
+              </a:rPr>
+              <a:t>Change to Project</a:t>
+            </a:r>
+          </a:p>
+          <a:p>
+            <a:pPr marL="342900" indent="-342900">
+              <a:buFont typeface="Arial" panose="020B0604020202020204" pitchFamily="34" charset="0"/>
+              <a:buChar char="•"/>
+            </a:pPr>
+            <a:r>
+              <a:rPr lang="en-GB" sz="2400" kern="1200" dirty="0">
+                <a:effectLst/>
+                <a:latin typeface="+mj-lt"/>
+                <a:ea typeface="+mn-ea"/>
+                <a:cs typeface="+mn-cs"/>
+              </a:rPr>
+              <a:t>Game Progress</a:t>
+            </a:r>
+          </a:p>
+          <a:p>
+            <a:pPr marL="342900" indent="-342900">
+              <a:buFont typeface="Arial" panose="020B0604020202020204" pitchFamily="34" charset="0"/>
+              <a:buChar char="•"/>
+            </a:pPr>
+            <a:r>
+              <a:rPr lang="en-GB" sz="2400" dirty="0">
+                <a:latin typeface="+mj-lt"/>
+              </a:rPr>
+              <a:t>Arduino Progress</a:t>
+            </a:r>
+          </a:p>
+          <a:p>
+            <a:pPr marL="342900" indent="-342900">
+              <a:buFont typeface="Arial" panose="020B0604020202020204" pitchFamily="34" charset="0"/>
+              <a:buChar char="•"/>
+            </a:pPr>
+            <a:r>
+              <a:rPr lang="en-GB" sz="2400" dirty="0">
+                <a:latin typeface="+mj-lt"/>
+              </a:rPr>
+              <a:t>Further Aims</a:t>
+            </a:r>
+            <a:endParaRPr lang="en-GB" sz="2400" kern="1200" dirty="0">
+              <a:effectLst/>
+              <a:latin typeface="+mj-lt"/>
+              <a:ea typeface="+mn-ea"/>
+              <a:cs typeface="+mn-cs"/>
+            </a:endParaRPr>
+          </a:p>
+        </p:txBody>
+      </p:sp>
+    </p:spTree>
+    <p:extLst>
+      <p:ext uri="{BB962C8B-B14F-4D97-AF65-F5344CB8AC3E}">
+        <p14:creationId xmlns:p14="http://schemas.microsoft.com/office/powerpoint/2010/main" val="3834472243"/>
+      </p:ext>
+    </p:extLst>
+  </p:cSld>
+  <p:clrMapOvr>
+    <a:masterClrMapping/>
+  </p:clrMapOvr>
+  <p:transition spd="med">
+    <p:pull dir="r"/>
+  </p:transition>
+</p:sld>
+</file>
+
+<file path=ppt/slides/slide12.xml><?xml version="1.0" encoding="utf-8"?>
+<p:sld xmlns:a="http://schemas.openxmlformats.org/drawingml/2006/main" xmlns:r="http://schemas.openxmlformats.org/officeDocument/2006/relationships" xmlns:p="http://schemas.openxmlformats.org/presentationml/2006/main">
+  <p:cSld>
+    <p:spTree>
+      <p:nvGrpSpPr>
+        <p:cNvPr id="1" name="">
+          <a:extLst>
+            <a:ext uri="{FF2B5EF4-FFF2-40B4-BE49-F238E27FC236}">
+              <a16:creationId xmlns:a16="http://schemas.microsoft.com/office/drawing/2014/main" id="{B90D7FBE-95EF-9204-3119-950BA67DB84C}"/>
+            </a:ext>
+          </a:extLst>
+        </p:cNvPr>
+        <p:cNvGrpSpPr/>
+        <p:nvPr/>
+      </p:nvGrpSpPr>
+      <p:grpSpPr>
+        <a:xfrm>
+          <a:off x="0" y="0"/>
+          <a:ext cx="0" cy="0"/>
+          <a:chOff x="0" y="0"/>
+          <a:chExt cx="0" cy="0"/>
+        </a:xfrm>
+      </p:grpSpPr>
+      <p:sp>
+        <p:nvSpPr>
+          <p:cNvPr id="4" name="Rectangle 3">
+            <a:extLst>
+              <a:ext uri="{FF2B5EF4-FFF2-40B4-BE49-F238E27FC236}">
+                <a16:creationId xmlns:a16="http://schemas.microsoft.com/office/drawing/2014/main" id="{0D6F9793-D2F6-937D-811B-DCCC59B8C7B9}"/>
+              </a:ext>
+            </a:extLst>
+          </p:cNvPr>
+          <p:cNvSpPr/>
+          <p:nvPr/>
+        </p:nvSpPr>
+        <p:spPr>
+          <a:xfrm flipV="1">
+            <a:off x="486779" y="1080598"/>
+            <a:ext cx="3358612" cy="65868"/>
+          </a:xfrm>
+          <a:prstGeom prst="rect">
+            <a:avLst/>
+          </a:prstGeom>
+          <a:ln>
+            <a:noFill/>
+          </a:ln>
+        </p:spPr>
+        <p:style>
+          <a:lnRef idx="2">
+            <a:schemeClr val="accent1">
+              <a:shade val="15000"/>
+            </a:schemeClr>
+          </a:lnRef>
+          <a:fillRef idx="1">
+            <a:schemeClr val="accent1"/>
+          </a:fillRef>
+          <a:effectRef idx="0">
+            <a:schemeClr val="accent1"/>
+          </a:effectRef>
+          <a:fontRef idx="minor">
+            <a:schemeClr val="lt1"/>
+          </a:fontRef>
+        </p:style>
+        <p:txBody>
+          <a:bodyPr rtlCol="0" anchor="ctr"/>
+          <a:lstStyle/>
+          <a:p>
+            <a:pPr algn="ctr"/>
+            <a:endParaRPr lang="en-GB"/>
+          </a:p>
+        </p:txBody>
+      </p:sp>
+      <p:sp>
+        <p:nvSpPr>
+          <p:cNvPr id="7" name="TextBox 6">
+            <a:extLst>
+              <a:ext uri="{FF2B5EF4-FFF2-40B4-BE49-F238E27FC236}">
+                <a16:creationId xmlns:a16="http://schemas.microsoft.com/office/drawing/2014/main" id="{111ABDB0-7ABE-E17C-CFF7-61EFB1AF8B65}"/>
+              </a:ext>
+            </a:extLst>
+          </p:cNvPr>
+          <p:cNvSpPr txBox="1"/>
+          <p:nvPr/>
+        </p:nvSpPr>
+        <p:spPr>
+          <a:xfrm>
+            <a:off x="486779" y="434268"/>
+            <a:ext cx="4573688" cy="646331"/>
+          </a:xfrm>
+          <a:prstGeom prst="rect">
+            <a:avLst/>
+          </a:prstGeom>
+          <a:noFill/>
+        </p:spPr>
+        <p:txBody>
+          <a:bodyPr wrap="none" rtlCol="0">
+            <a:spAutoFit/>
+          </a:bodyPr>
+          <a:lstStyle/>
+          <a:p>
+            <a:r>
+              <a:rPr lang="en-GB" sz="3600" b="1" dirty="0">
+                <a:latin typeface="Neue Haas Grotesk Text Pro" panose="020B0504020202020204" pitchFamily="34" charset="0"/>
+              </a:rPr>
+              <a:t>Further Production </a:t>
+            </a:r>
+          </a:p>
+        </p:txBody>
+      </p:sp>
+      <p:pic>
+        <p:nvPicPr>
+          <p:cNvPr id="2" name="Graphic 1" descr="Factory">
+            <a:extLst>
+              <a:ext uri="{FF2B5EF4-FFF2-40B4-BE49-F238E27FC236}">
+                <a16:creationId xmlns:a16="http://schemas.microsoft.com/office/drawing/2014/main" id="{6BA06886-469C-36DC-EDF6-9D7D9C591FAC}"/>
+              </a:ext>
+            </a:extLst>
+          </p:cNvPr>
+          <p:cNvPicPr>
+            <a:picLocks noChangeAspect="1"/>
+          </p:cNvPicPr>
+          <p:nvPr/>
+        </p:nvPicPr>
+        <p:blipFill>
+          <a:blip r:embed="rId2">
+            <a:extLst>
+              <a:ext uri="{28A0092B-C50C-407E-A947-70E740481C1C}">
+                <a14:useLocalDpi xmlns:a14="http://schemas.microsoft.com/office/drawing/2010/main" val="0"/>
+              </a:ext>
+              <a:ext uri="{96DAC541-7B7A-43D3-8B79-37D633B846F1}">
+                <asvg:svgBlip xmlns:asvg="http://schemas.microsoft.com/office/drawing/2016/SVG/main" r:embed="rId3"/>
+              </a:ext>
+            </a:extLst>
+          </a:blip>
+          <a:stretch>
+            <a:fillRect/>
+          </a:stretch>
+        </p:blipFill>
+        <p:spPr>
+          <a:xfrm>
+            <a:off x="4467477" y="-973551"/>
+            <a:ext cx="9715500" cy="9715500"/>
+          </a:xfrm>
+          <a:prstGeom prst="rect">
+            <a:avLst/>
+          </a:prstGeom>
+        </p:spPr>
+      </p:pic>
+      <p:sp>
+        <p:nvSpPr>
+          <p:cNvPr id="3" name="TextBox 2">
+            <a:extLst>
+              <a:ext uri="{FF2B5EF4-FFF2-40B4-BE49-F238E27FC236}">
+                <a16:creationId xmlns:a16="http://schemas.microsoft.com/office/drawing/2014/main" id="{D46C47A3-29ED-2C30-1ABF-AA26AC55AC6D}"/>
+              </a:ext>
+            </a:extLst>
+          </p:cNvPr>
+          <p:cNvSpPr txBox="1"/>
+          <p:nvPr/>
+        </p:nvSpPr>
+        <p:spPr>
+          <a:xfrm>
+            <a:off x="486779" y="1331134"/>
+            <a:ext cx="6396621" cy="1569660"/>
+          </a:xfrm>
+          <a:prstGeom prst="rect">
+            <a:avLst/>
+          </a:prstGeom>
+          <a:noFill/>
+        </p:spPr>
+        <p:txBody>
+          <a:bodyPr wrap="square" rtlCol="0">
+            <a:spAutoFit/>
+          </a:bodyPr>
+          <a:lstStyle/>
+          <a:p>
+            <a:pPr marL="342900" indent="-342900">
+              <a:buFont typeface="Arial" panose="020B0604020202020204" pitchFamily="34" charset="0"/>
+              <a:buChar char="•"/>
+            </a:pPr>
+            <a:r>
+              <a:rPr lang="en-GB" sz="2400" dirty="0">
+                <a:latin typeface="+mj-lt"/>
+              </a:rPr>
+              <a:t>Game Progress</a:t>
+            </a:r>
+          </a:p>
+          <a:p>
+            <a:pPr marL="342900" indent="-342900">
+              <a:buFont typeface="Arial" panose="020B0604020202020204" pitchFamily="34" charset="0"/>
+              <a:buChar char="•"/>
+            </a:pPr>
+            <a:r>
+              <a:rPr lang="en-GB" sz="2400" dirty="0">
+                <a:latin typeface="+mj-lt"/>
+              </a:rPr>
+              <a:t>Arduino Progress</a:t>
+            </a:r>
+          </a:p>
+          <a:p>
+            <a:pPr marL="342900" indent="-342900">
+              <a:buFont typeface="Arial" panose="020B0604020202020204" pitchFamily="34" charset="0"/>
+              <a:buChar char="•"/>
+            </a:pPr>
+            <a:r>
+              <a:rPr lang="en-GB" sz="2400" dirty="0">
+                <a:latin typeface="+mj-lt"/>
+              </a:rPr>
+              <a:t>Research Progress</a:t>
+            </a:r>
+          </a:p>
+          <a:p>
+            <a:pPr marL="342900" indent="-342900">
+              <a:buFont typeface="Arial" panose="020B0604020202020204" pitchFamily="34" charset="0"/>
+              <a:buChar char="•"/>
+            </a:pPr>
+            <a:r>
+              <a:rPr lang="en-GB" sz="2400" dirty="0">
+                <a:latin typeface="+mj-lt"/>
+              </a:rPr>
+              <a:t>Marketing</a:t>
+            </a:r>
+          </a:p>
+        </p:txBody>
+      </p:sp>
+    </p:spTree>
+    <p:extLst>
+      <p:ext uri="{BB962C8B-B14F-4D97-AF65-F5344CB8AC3E}">
+        <p14:creationId xmlns:p14="http://schemas.microsoft.com/office/powerpoint/2010/main" val="4076721027"/>
+      </p:ext>
+    </p:extLst>
+  </p:cSld>
+  <p:clrMapOvr>
+    <a:masterClrMapping/>
+  </p:clrMapOvr>
+  <p:transition spd="med">
+    <p:pull dir="r"/>
+  </p:transition>
+</p:sld>
+</file>
+
+<file path=ppt/slides/slide13.xml><?xml version="1.0" encoding="utf-8"?>
+<p:sld xmlns:a="http://schemas.openxmlformats.org/drawingml/2006/main" xmlns:r="http://schemas.openxmlformats.org/officeDocument/2006/relationships" xmlns:p="http://schemas.openxmlformats.org/presentationml/2006/main">
+  <p:cSld>
+    <p:spTree>
+      <p:nvGrpSpPr>
+        <p:cNvPr id="1" name="">
+          <a:extLst>
+            <a:ext uri="{FF2B5EF4-FFF2-40B4-BE49-F238E27FC236}">
+              <a16:creationId xmlns:a16="http://schemas.microsoft.com/office/drawing/2014/main" id="{BC8DD69B-45CD-C4E4-5873-CD5516C920BD}"/>
+            </a:ext>
+          </a:extLst>
+        </p:cNvPr>
+        <p:cNvGrpSpPr/>
+        <p:nvPr/>
+      </p:nvGrpSpPr>
+      <p:grpSpPr>
+        <a:xfrm>
+          <a:off x="0" y="0"/>
+          <a:ext cx="0" cy="0"/>
+          <a:chOff x="0" y="0"/>
+          <a:chExt cx="0" cy="0"/>
+        </a:xfrm>
+      </p:grpSpPr>
+      <p:sp>
+        <p:nvSpPr>
+          <p:cNvPr id="4" name="Rectangle 3">
+            <a:extLst>
+              <a:ext uri="{FF2B5EF4-FFF2-40B4-BE49-F238E27FC236}">
+                <a16:creationId xmlns:a16="http://schemas.microsoft.com/office/drawing/2014/main" id="{85076ABB-2125-5557-1B04-C983DCBAF38C}"/>
+              </a:ext>
+            </a:extLst>
+          </p:cNvPr>
+          <p:cNvSpPr/>
+          <p:nvPr/>
+        </p:nvSpPr>
+        <p:spPr>
+          <a:xfrm flipV="1">
+            <a:off x="486779" y="1080598"/>
+            <a:ext cx="3358612" cy="65868"/>
+          </a:xfrm>
+          <a:prstGeom prst="rect">
+            <a:avLst/>
+          </a:prstGeom>
+          <a:ln>
+            <a:noFill/>
+          </a:ln>
+        </p:spPr>
+        <p:style>
+          <a:lnRef idx="2">
+            <a:schemeClr val="accent1">
+              <a:shade val="15000"/>
+            </a:schemeClr>
+          </a:lnRef>
+          <a:fillRef idx="1">
+            <a:schemeClr val="accent1"/>
+          </a:fillRef>
+          <a:effectRef idx="0">
+            <a:schemeClr val="accent1"/>
+          </a:effectRef>
+          <a:fontRef idx="minor">
+            <a:schemeClr val="lt1"/>
+          </a:fontRef>
+        </p:style>
+        <p:txBody>
+          <a:bodyPr rtlCol="0" anchor="ctr"/>
+          <a:lstStyle/>
+          <a:p>
+            <a:pPr algn="ctr"/>
+            <a:endParaRPr lang="en-GB"/>
+          </a:p>
+        </p:txBody>
+      </p:sp>
+      <p:sp>
+        <p:nvSpPr>
+          <p:cNvPr id="7" name="TextBox 6">
+            <a:extLst>
+              <a:ext uri="{FF2B5EF4-FFF2-40B4-BE49-F238E27FC236}">
+                <a16:creationId xmlns:a16="http://schemas.microsoft.com/office/drawing/2014/main" id="{D94F575C-C31B-3FBD-F45B-73CB04530E58}"/>
+              </a:ext>
+            </a:extLst>
+          </p:cNvPr>
+          <p:cNvSpPr txBox="1"/>
+          <p:nvPr/>
+        </p:nvSpPr>
+        <p:spPr>
+          <a:xfrm>
+            <a:off x="486779" y="434268"/>
+            <a:ext cx="2733441" cy="646331"/>
+          </a:xfrm>
+          <a:prstGeom prst="rect">
+            <a:avLst/>
+          </a:prstGeom>
+          <a:noFill/>
+        </p:spPr>
+        <p:txBody>
+          <a:bodyPr wrap="none" rtlCol="0">
+            <a:spAutoFit/>
+          </a:bodyPr>
+          <a:lstStyle/>
+          <a:p>
+            <a:r>
+              <a:rPr lang="en-GB" sz="3600" b="1" dirty="0">
+                <a:latin typeface="Neue Haas Grotesk Text Pro" panose="020B0504020202020204" pitchFamily="34" charset="0"/>
+              </a:rPr>
+              <a:t>Questions?</a:t>
+            </a:r>
+          </a:p>
+        </p:txBody>
+      </p:sp>
+      <p:pic>
+        <p:nvPicPr>
+          <p:cNvPr id="2" name="Graphic 1" descr="Thought bubble">
+            <a:extLst>
+              <a:ext uri="{FF2B5EF4-FFF2-40B4-BE49-F238E27FC236}">
+                <a16:creationId xmlns:a16="http://schemas.microsoft.com/office/drawing/2014/main" id="{CD1B1105-89BB-42DB-8A12-1A1686D96BD1}"/>
+              </a:ext>
+            </a:extLst>
+          </p:cNvPr>
+          <p:cNvPicPr>
+            <a:picLocks noChangeAspect="1"/>
+          </p:cNvPicPr>
+          <p:nvPr/>
+        </p:nvPicPr>
+        <p:blipFill>
+          <a:blip r:embed="rId2">
+            <a:extLst>
+              <a:ext uri="{28A0092B-C50C-407E-A947-70E740481C1C}">
+                <a14:useLocalDpi xmlns:a14="http://schemas.microsoft.com/office/drawing/2010/main" val="0"/>
+              </a:ext>
+              <a:ext uri="{96DAC541-7B7A-43D3-8B79-37D633B846F1}">
+                <asvg:svgBlip xmlns:asvg="http://schemas.microsoft.com/office/drawing/2016/SVG/main" r:embed="rId3"/>
+              </a:ext>
+            </a:extLst>
+          </a:blip>
+          <a:stretch>
+            <a:fillRect/>
+          </a:stretch>
+        </p:blipFill>
+        <p:spPr>
+          <a:xfrm>
+            <a:off x="5028948" y="-171450"/>
+            <a:ext cx="9715500" cy="9715500"/>
+          </a:xfrm>
+          <a:prstGeom prst="rect">
+            <a:avLst/>
+          </a:prstGeom>
+        </p:spPr>
+      </p:pic>
+    </p:spTree>
+    <p:extLst>
+      <p:ext uri="{BB962C8B-B14F-4D97-AF65-F5344CB8AC3E}">
+        <p14:creationId xmlns:p14="http://schemas.microsoft.com/office/powerpoint/2010/main" val="846937513"/>
+      </p:ext>
+    </p:extLst>
+  </p:cSld>
+  <p:clrMapOvr>
+    <a:masterClrMapping/>
+  </p:clrMapOvr>
+  <p:transition spd="med">
+    <p:pull dir="r"/>
+  </p:transition>
+</p:sld>
+</file>
+
 <file path=ppt/slides/slide2.xml><?xml version="1.0" encoding="utf-8"?>
+<p:sld xmlns:a="http://schemas.openxmlformats.org/drawingml/2006/main" xmlns:r="http://schemas.openxmlformats.org/officeDocument/2006/relationships" xmlns:p="http://schemas.openxmlformats.org/presentationml/2006/main">
+  <p:cSld>
+    <p:spTree>
+      <p:nvGrpSpPr>
+        <p:cNvPr id="1" name="">
+          <a:extLst>
+            <a:ext uri="{FF2B5EF4-FFF2-40B4-BE49-F238E27FC236}">
+              <a16:creationId xmlns:a16="http://schemas.microsoft.com/office/drawing/2014/main" id="{100A87B1-0A9D-1EE9-C784-026D21238639}"/>
+            </a:ext>
+          </a:extLst>
+        </p:cNvPr>
+        <p:cNvGrpSpPr/>
+        <p:nvPr/>
+      </p:nvGrpSpPr>
+      <p:grpSpPr>
+        <a:xfrm>
+          <a:off x="0" y="0"/>
+          <a:ext cx="0" cy="0"/>
+          <a:chOff x="0" y="0"/>
+          <a:chExt cx="0" cy="0"/>
+        </a:xfrm>
+      </p:grpSpPr>
+      <p:sp>
+        <p:nvSpPr>
+          <p:cNvPr id="4" name="Rectangle 3">
+            <a:extLst>
+              <a:ext uri="{FF2B5EF4-FFF2-40B4-BE49-F238E27FC236}">
+                <a16:creationId xmlns:a16="http://schemas.microsoft.com/office/drawing/2014/main" id="{F18CEE11-4840-2038-BFFC-84D766790D7F}"/>
+              </a:ext>
+            </a:extLst>
+          </p:cNvPr>
+          <p:cNvSpPr/>
+          <p:nvPr/>
+        </p:nvSpPr>
+        <p:spPr>
+          <a:xfrm flipV="1">
+            <a:off x="486779" y="1080598"/>
+            <a:ext cx="4198584" cy="65869"/>
+          </a:xfrm>
+          <a:prstGeom prst="rect">
+            <a:avLst/>
+          </a:prstGeom>
+          <a:ln>
+            <a:noFill/>
+          </a:ln>
+        </p:spPr>
+        <p:style>
+          <a:lnRef idx="2">
+            <a:schemeClr val="accent1">
+              <a:shade val="15000"/>
+            </a:schemeClr>
+          </a:lnRef>
+          <a:fillRef idx="1">
+            <a:schemeClr val="accent1"/>
+          </a:fillRef>
+          <a:effectRef idx="0">
+            <a:schemeClr val="accent1"/>
+          </a:effectRef>
+          <a:fontRef idx="minor">
+            <a:schemeClr val="lt1"/>
+          </a:fontRef>
+        </p:style>
+        <p:txBody>
+          <a:bodyPr rtlCol="0" anchor="ctr"/>
+          <a:lstStyle/>
+          <a:p>
+            <a:pPr algn="ctr"/>
+            <a:endParaRPr lang="en-GB"/>
+          </a:p>
+        </p:txBody>
+      </p:sp>
+      <p:sp>
+        <p:nvSpPr>
+          <p:cNvPr id="7" name="TextBox 6">
+            <a:extLst>
+              <a:ext uri="{FF2B5EF4-FFF2-40B4-BE49-F238E27FC236}">
+                <a16:creationId xmlns:a16="http://schemas.microsoft.com/office/drawing/2014/main" id="{D087C25A-FD27-84CA-8551-C7E87C31F4AE}"/>
+              </a:ext>
+            </a:extLst>
+          </p:cNvPr>
+          <p:cNvSpPr txBox="1"/>
+          <p:nvPr/>
+        </p:nvSpPr>
+        <p:spPr>
+          <a:xfrm>
+            <a:off x="486779" y="434268"/>
+            <a:ext cx="3289683" cy="646331"/>
+          </a:xfrm>
+          <a:prstGeom prst="rect">
+            <a:avLst/>
+          </a:prstGeom>
+          <a:noFill/>
+        </p:spPr>
+        <p:txBody>
+          <a:bodyPr wrap="none" rtlCol="0">
+            <a:spAutoFit/>
+          </a:bodyPr>
+          <a:lstStyle/>
+          <a:p>
+            <a:r>
+              <a:rPr lang="en-GB" sz="3600" b="1" dirty="0">
+                <a:latin typeface="Neue Haas Grotesk Text Pro" panose="020B0504020202020204" pitchFamily="34" charset="0"/>
+              </a:rPr>
+              <a:t>The Research</a:t>
+            </a:r>
+          </a:p>
+        </p:txBody>
+      </p:sp>
+      <p:sp>
+        <p:nvSpPr>
+          <p:cNvPr id="8" name="TextBox 7">
+            <a:extLst>
+              <a:ext uri="{FF2B5EF4-FFF2-40B4-BE49-F238E27FC236}">
+                <a16:creationId xmlns:a16="http://schemas.microsoft.com/office/drawing/2014/main" id="{1810644B-3F77-D364-6D78-70CF1B28CF67}"/>
+              </a:ext>
+            </a:extLst>
+          </p:cNvPr>
+          <p:cNvSpPr txBox="1"/>
+          <p:nvPr/>
+        </p:nvSpPr>
+        <p:spPr>
+          <a:xfrm>
+            <a:off x="486779" y="1331134"/>
+            <a:ext cx="6396621" cy="3046988"/>
+          </a:xfrm>
+          <a:prstGeom prst="rect">
+            <a:avLst/>
+          </a:prstGeom>
+          <a:noFill/>
+        </p:spPr>
+        <p:txBody>
+          <a:bodyPr wrap="square" rtlCol="0">
+            <a:spAutoFit/>
+          </a:bodyPr>
+          <a:lstStyle/>
+          <a:p>
+            <a:pPr marL="342900" indent="-342900">
+              <a:buFont typeface="Arial" panose="020B0604020202020204" pitchFamily="34" charset="0"/>
+              <a:buChar char="•"/>
+            </a:pPr>
+            <a:r>
+              <a:rPr lang="en-GB" sz="2400" dirty="0">
+                <a:latin typeface="+mj-lt"/>
+              </a:rPr>
+              <a:t>Experimental Games Production</a:t>
+            </a:r>
+            <a:endParaRPr lang="en-GB" sz="2400" kern="1200" dirty="0">
+              <a:effectLst/>
+              <a:latin typeface="+mj-lt"/>
+              <a:ea typeface="+mn-ea"/>
+              <a:cs typeface="+mn-cs"/>
+            </a:endParaRPr>
+          </a:p>
+          <a:p>
+            <a:pPr marL="342900" indent="-342900">
+              <a:buFont typeface="Arial" panose="020B0604020202020204" pitchFamily="34" charset="0"/>
+              <a:buChar char="•"/>
+            </a:pPr>
+            <a:r>
+              <a:rPr lang="en-GB" sz="2400" kern="1200" dirty="0">
+                <a:effectLst/>
+                <a:latin typeface="+mj-lt"/>
+                <a:ea typeface="+mn-ea"/>
+                <a:cs typeface="+mn-cs"/>
+              </a:rPr>
+              <a:t>GDC Conferences – </a:t>
+            </a:r>
+            <a:r>
+              <a:rPr lang="en-GB" sz="2400" kern="1200" dirty="0" err="1">
+                <a:effectLst/>
+                <a:latin typeface="+mj-lt"/>
+                <a:ea typeface="+mn-ea"/>
+                <a:cs typeface="+mn-cs"/>
+              </a:rPr>
+              <a:t>Alt.CTRL.GDC</a:t>
+            </a:r>
+            <a:endParaRPr lang="en-GB" sz="2400" kern="1200" dirty="0">
+              <a:effectLst/>
+              <a:latin typeface="+mj-lt"/>
+              <a:ea typeface="+mn-ea"/>
+              <a:cs typeface="+mn-cs"/>
+            </a:endParaRPr>
+          </a:p>
+          <a:p>
+            <a:pPr marL="342900" indent="-342900">
+              <a:buFont typeface="Arial" panose="020B0604020202020204" pitchFamily="34" charset="0"/>
+              <a:buChar char="•"/>
+            </a:pPr>
+            <a:r>
+              <a:rPr lang="en-GB" sz="2400" dirty="0">
+                <a:latin typeface="+mj-lt"/>
+              </a:rPr>
+              <a:t>Itch.io – Experimental</a:t>
+            </a:r>
+          </a:p>
+          <a:p>
+            <a:pPr marL="342900" indent="-342900">
+              <a:buFont typeface="Arial" panose="020B0604020202020204" pitchFamily="34" charset="0"/>
+              <a:buChar char="•"/>
+            </a:pPr>
+            <a:r>
+              <a:rPr lang="en-GB" sz="2400" dirty="0">
+                <a:latin typeface="+mj-lt"/>
+              </a:rPr>
+              <a:t>Interactive Arcades / T.N.V.M</a:t>
+            </a:r>
+          </a:p>
+          <a:p>
+            <a:pPr marL="342900" indent="-342900">
+              <a:buFont typeface="Arial" panose="020B0604020202020204" pitchFamily="34" charset="0"/>
+              <a:buChar char="•"/>
+            </a:pPr>
+            <a:endParaRPr lang="en-GB" sz="2400" dirty="0">
+              <a:latin typeface="+mj-lt"/>
+            </a:endParaRPr>
+          </a:p>
+          <a:p>
+            <a:pPr marL="342900" indent="-342900">
+              <a:buFont typeface="Arial" panose="020B0604020202020204" pitchFamily="34" charset="0"/>
+              <a:buChar char="•"/>
+            </a:pPr>
+            <a:r>
+              <a:rPr lang="en-GB" sz="2400" dirty="0">
+                <a:latin typeface="+mj-lt"/>
+              </a:rPr>
+              <a:t>Arduino.cc / </a:t>
+            </a:r>
+            <a:r>
+              <a:rPr lang="en-GB" sz="2400" dirty="0" err="1">
+                <a:latin typeface="+mj-lt"/>
+              </a:rPr>
+              <a:t>Freenove</a:t>
+            </a:r>
+            <a:endParaRPr lang="en-GB" sz="2400" dirty="0">
+              <a:latin typeface="+mj-lt"/>
+            </a:endParaRPr>
+          </a:p>
+          <a:p>
+            <a:pPr marL="342900" indent="-342900">
+              <a:buFont typeface="Arial" panose="020B0604020202020204" pitchFamily="34" charset="0"/>
+              <a:buChar char="•"/>
+            </a:pPr>
+            <a:r>
+              <a:rPr lang="en-GB" sz="2400" dirty="0">
+                <a:latin typeface="+mj-lt"/>
+              </a:rPr>
+              <a:t>Unreal Engine Documentation</a:t>
+            </a:r>
+          </a:p>
+          <a:p>
+            <a:pPr marL="342900" indent="-342900">
+              <a:buFont typeface="Arial" panose="020B0604020202020204" pitchFamily="34" charset="0"/>
+              <a:buChar char="•"/>
+            </a:pPr>
+            <a:r>
+              <a:rPr lang="en-GB" sz="2400" dirty="0" err="1">
+                <a:latin typeface="+mj-lt"/>
+              </a:rPr>
+              <a:t>SerialCom</a:t>
+            </a:r>
+            <a:r>
+              <a:rPr lang="en-GB" sz="2400" dirty="0">
+                <a:latin typeface="+mj-lt"/>
+              </a:rPr>
+              <a:t> / </a:t>
+            </a:r>
+            <a:r>
+              <a:rPr lang="en-GB" sz="2400" dirty="0" err="1">
+                <a:latin typeface="+mj-lt"/>
+              </a:rPr>
+              <a:t>RamirosLab</a:t>
+            </a:r>
+            <a:endParaRPr lang="en-GB" sz="2400" dirty="0">
+              <a:latin typeface="+mj-lt"/>
+            </a:endParaRPr>
+          </a:p>
+        </p:txBody>
+      </p:sp>
+      <p:pic>
+        <p:nvPicPr>
+          <p:cNvPr id="5" name="Graphic 4" descr="Books">
+            <a:extLst>
+              <a:ext uri="{FF2B5EF4-FFF2-40B4-BE49-F238E27FC236}">
+                <a16:creationId xmlns:a16="http://schemas.microsoft.com/office/drawing/2014/main" id="{2F092489-8A10-B8CE-B79E-024CE1E1CCC5}"/>
+              </a:ext>
+            </a:extLst>
+          </p:cNvPr>
+          <p:cNvPicPr>
+            <a:picLocks noChangeAspect="1"/>
+          </p:cNvPicPr>
+          <p:nvPr/>
+        </p:nvPicPr>
+        <p:blipFill>
+          <a:blip r:embed="rId2">
+            <a:extLst>
+              <a:ext uri="{28A0092B-C50C-407E-A947-70E740481C1C}">
+                <a14:useLocalDpi xmlns:a14="http://schemas.microsoft.com/office/drawing/2010/main" val="0"/>
+              </a:ext>
+              <a:ext uri="{96DAC541-7B7A-43D3-8B79-37D633B846F1}">
+                <asvg:svgBlip xmlns:asvg="http://schemas.microsoft.com/office/drawing/2016/SVG/main" r:embed="rId3"/>
+              </a:ext>
+            </a:extLst>
+          </a:blip>
+          <a:stretch>
+            <a:fillRect/>
+          </a:stretch>
+        </p:blipFill>
+        <p:spPr>
+          <a:xfrm>
+            <a:off x="5028948" y="-171450"/>
+            <a:ext cx="9715500" cy="9715500"/>
+          </a:xfrm>
+          <a:prstGeom prst="rect">
+            <a:avLst/>
+          </a:prstGeom>
+        </p:spPr>
+      </p:pic>
+    </p:spTree>
+    <p:extLst>
+      <p:ext uri="{BB962C8B-B14F-4D97-AF65-F5344CB8AC3E}">
+        <p14:creationId xmlns:p14="http://schemas.microsoft.com/office/powerpoint/2010/main" val="931663692"/>
+      </p:ext>
+    </p:extLst>
+  </p:cSld>
+  <p:clrMapOvr>
+    <a:masterClrMapping/>
+  </p:clrMapOvr>
+  <p:transition spd="med">
+    <p:pull dir="r"/>
+  </p:transition>
+</p:sld>
+</file>
+
+<file path=ppt/slides/slide3.xml><?xml version="1.0" encoding="utf-8"?>
+<p:sld xmlns:a="http://schemas.openxmlformats.org/drawingml/2006/main" xmlns:r="http://schemas.openxmlformats.org/officeDocument/2006/relationships" xmlns:p="http://schemas.openxmlformats.org/presentationml/2006/main">
+  <p:cSld>
+    <p:spTree>
+      <p:nvGrpSpPr>
+        <p:cNvPr id="1" name="">
+          <a:extLst>
+            <a:ext uri="{FF2B5EF4-FFF2-40B4-BE49-F238E27FC236}">
+              <a16:creationId xmlns:a16="http://schemas.microsoft.com/office/drawing/2014/main" id="{96E7DAD1-5968-B37C-0243-29F1CB0D73CF}"/>
+            </a:ext>
+          </a:extLst>
+        </p:cNvPr>
+        <p:cNvGrpSpPr/>
+        <p:nvPr/>
+      </p:nvGrpSpPr>
+      <p:grpSpPr>
+        <a:xfrm>
+          <a:off x="0" y="0"/>
+          <a:ext cx="0" cy="0"/>
+          <a:chOff x="0" y="0"/>
+          <a:chExt cx="0" cy="0"/>
+        </a:xfrm>
+      </p:grpSpPr>
+      <p:sp>
+        <p:nvSpPr>
+          <p:cNvPr id="4" name="Rectangle 3">
+            <a:extLst>
+              <a:ext uri="{FF2B5EF4-FFF2-40B4-BE49-F238E27FC236}">
+                <a16:creationId xmlns:a16="http://schemas.microsoft.com/office/drawing/2014/main" id="{21E85E12-19A2-903A-50AB-337695F0C6AB}"/>
+              </a:ext>
+            </a:extLst>
+          </p:cNvPr>
+          <p:cNvSpPr/>
+          <p:nvPr/>
+        </p:nvSpPr>
+        <p:spPr>
+          <a:xfrm flipV="1">
+            <a:off x="486779" y="1080598"/>
+            <a:ext cx="4198584" cy="65869"/>
+          </a:xfrm>
+          <a:prstGeom prst="rect">
+            <a:avLst/>
+          </a:prstGeom>
+          <a:ln>
+            <a:noFill/>
+          </a:ln>
+        </p:spPr>
+        <p:style>
+          <a:lnRef idx="2">
+            <a:schemeClr val="accent1">
+              <a:shade val="15000"/>
+            </a:schemeClr>
+          </a:lnRef>
+          <a:fillRef idx="1">
+            <a:schemeClr val="accent1"/>
+          </a:fillRef>
+          <a:effectRef idx="0">
+            <a:schemeClr val="accent1"/>
+          </a:effectRef>
+          <a:fontRef idx="minor">
+            <a:schemeClr val="lt1"/>
+          </a:fontRef>
+        </p:style>
+        <p:txBody>
+          <a:bodyPr rtlCol="0" anchor="ctr"/>
+          <a:lstStyle/>
+          <a:p>
+            <a:pPr algn="ctr"/>
+            <a:endParaRPr lang="en-GB"/>
+          </a:p>
+        </p:txBody>
+      </p:sp>
+      <p:sp>
+        <p:nvSpPr>
+          <p:cNvPr id="7" name="TextBox 6">
+            <a:extLst>
+              <a:ext uri="{FF2B5EF4-FFF2-40B4-BE49-F238E27FC236}">
+                <a16:creationId xmlns:a16="http://schemas.microsoft.com/office/drawing/2014/main" id="{858B90A6-C45D-2DBD-B322-C0ABC435096D}"/>
+              </a:ext>
+            </a:extLst>
+          </p:cNvPr>
+          <p:cNvSpPr txBox="1"/>
+          <p:nvPr/>
+        </p:nvSpPr>
+        <p:spPr>
+          <a:xfrm>
+            <a:off x="486779" y="434268"/>
+            <a:ext cx="3179075" cy="646331"/>
+          </a:xfrm>
+          <a:prstGeom prst="rect">
+            <a:avLst/>
+          </a:prstGeom>
+          <a:noFill/>
+        </p:spPr>
+        <p:txBody>
+          <a:bodyPr wrap="none" rtlCol="0">
+            <a:spAutoFit/>
+          </a:bodyPr>
+          <a:lstStyle/>
+          <a:p>
+            <a:r>
+              <a:rPr lang="en-GB" sz="3600" b="1" dirty="0">
+                <a:latin typeface="Neue Haas Grotesk Text Pro" panose="020B0504020202020204" pitchFamily="34" charset="0"/>
+              </a:rPr>
+              <a:t>The End Goal</a:t>
+            </a:r>
+          </a:p>
+        </p:txBody>
+      </p:sp>
+      <p:sp>
+        <p:nvSpPr>
+          <p:cNvPr id="8" name="TextBox 7">
+            <a:extLst>
+              <a:ext uri="{FF2B5EF4-FFF2-40B4-BE49-F238E27FC236}">
+                <a16:creationId xmlns:a16="http://schemas.microsoft.com/office/drawing/2014/main" id="{AB101B77-E2B2-DA4B-3F31-094A93CBA8E7}"/>
+              </a:ext>
+            </a:extLst>
+          </p:cNvPr>
+          <p:cNvSpPr txBox="1"/>
+          <p:nvPr/>
+        </p:nvSpPr>
+        <p:spPr>
+          <a:xfrm>
+            <a:off x="486779" y="1331134"/>
+            <a:ext cx="6396621" cy="830997"/>
+          </a:xfrm>
+          <a:prstGeom prst="rect">
+            <a:avLst/>
+          </a:prstGeom>
+          <a:noFill/>
+        </p:spPr>
+        <p:txBody>
+          <a:bodyPr wrap="square" rtlCol="0">
+            <a:spAutoFit/>
+          </a:bodyPr>
+          <a:lstStyle/>
+          <a:p>
+            <a:pPr marL="342900" indent="-342900">
+              <a:buFont typeface="Arial" panose="020B0604020202020204" pitchFamily="34" charset="0"/>
+              <a:buChar char="•"/>
+            </a:pPr>
+            <a:r>
+              <a:rPr lang="en-GB" sz="2400" dirty="0">
+                <a:latin typeface="+mj-lt"/>
+              </a:rPr>
+              <a:t>Interactive Arcades</a:t>
+            </a:r>
+          </a:p>
+          <a:p>
+            <a:pPr marL="342900" indent="-342900">
+              <a:buFont typeface="Arial" panose="020B0604020202020204" pitchFamily="34" charset="0"/>
+              <a:buChar char="•"/>
+            </a:pPr>
+            <a:r>
+              <a:rPr lang="en-GB" sz="2400" dirty="0">
+                <a:latin typeface="+mj-lt"/>
+              </a:rPr>
+              <a:t>Research Route / PhD</a:t>
+            </a:r>
+          </a:p>
+        </p:txBody>
+      </p:sp>
+      <p:pic>
+        <p:nvPicPr>
+          <p:cNvPr id="5" name="Graphic 4" descr="Bullseye with solid fill">
+            <a:extLst>
+              <a:ext uri="{FF2B5EF4-FFF2-40B4-BE49-F238E27FC236}">
+                <a16:creationId xmlns:a16="http://schemas.microsoft.com/office/drawing/2014/main" id="{5256807A-9AAC-904C-B499-7A0F5BC4945A}"/>
+              </a:ext>
+            </a:extLst>
+          </p:cNvPr>
+          <p:cNvPicPr>
+            <a:picLocks noChangeAspect="1"/>
+          </p:cNvPicPr>
+          <p:nvPr/>
+        </p:nvPicPr>
+        <p:blipFill>
+          <a:blip r:embed="rId2">
+            <a:extLst>
+              <a:ext uri="{96DAC541-7B7A-43D3-8B79-37D633B846F1}">
+                <asvg:svgBlip xmlns:asvg="http://schemas.microsoft.com/office/drawing/2016/SVG/main" r:embed="rId3"/>
+              </a:ext>
+            </a:extLst>
+          </a:blip>
+          <a:srcRect/>
+          <a:stretch/>
+        </p:blipFill>
+        <p:spPr>
+          <a:xfrm>
+            <a:off x="5028948" y="-171450"/>
+            <a:ext cx="9715500" cy="9715500"/>
+          </a:xfrm>
+          <a:prstGeom prst="rect">
+            <a:avLst/>
+          </a:prstGeom>
+        </p:spPr>
+      </p:pic>
+    </p:spTree>
+    <p:extLst>
+      <p:ext uri="{BB962C8B-B14F-4D97-AF65-F5344CB8AC3E}">
+        <p14:creationId xmlns:p14="http://schemas.microsoft.com/office/powerpoint/2010/main" val="3964770976"/>
+      </p:ext>
+    </p:extLst>
+  </p:cSld>
+  <p:clrMapOvr>
+    <a:masterClrMapping/>
+  </p:clrMapOvr>
+  <p:transition spd="med">
+    <p:pull dir="r"/>
+  </p:transition>
+</p:sld>
+</file>
+
+<file path=ppt/slides/slide4.xml><?xml version="1.0" encoding="utf-8"?>
 <p:sld xmlns:a="http://schemas.openxmlformats.org/drawingml/2006/main" xmlns:r="http://schemas.openxmlformats.org/officeDocument/2006/relationships" xmlns:p="http://schemas.openxmlformats.org/presentationml/2006/main">
   <p:cSld>
     <p:spTree>
@@ -3754,13 +5601,13 @@
   <p:clrMapOvr>
     <a:masterClrMapping/>
   </p:clrMapOvr>
-  <p:transition spd="slow">
-    <p:push dir="u"/>
+  <p:transition spd="med">
+    <p:pull dir="r"/>
   </p:transition>
 </p:sld>
 </file>
 
-<file path=ppt/slides/slide3.xml><?xml version="1.0" encoding="utf-8"?>
+<file path=ppt/slides/slide5.xml><?xml version="1.0" encoding="utf-8"?>
 <p:sld xmlns:a="http://schemas.openxmlformats.org/drawingml/2006/main" xmlns:r="http://schemas.openxmlformats.org/officeDocument/2006/relationships" xmlns:p="http://schemas.openxmlformats.org/presentationml/2006/main">
   <p:cSld>
     <p:spTree>
@@ -3992,251 +5839,7 @@
 </p:sld>
 </file>
 
-<file path=ppt/slides/slide4.xml><?xml version="1.0" encoding="utf-8"?>
-<p:sld xmlns:a="http://schemas.openxmlformats.org/drawingml/2006/main" xmlns:r="http://schemas.openxmlformats.org/officeDocument/2006/relationships" xmlns:p="http://schemas.openxmlformats.org/presentationml/2006/main">
-  <p:cSld>
-    <p:spTree>
-      <p:nvGrpSpPr>
-        <p:cNvPr id="1" name="">
-          <a:extLst>
-            <a:ext uri="{FF2B5EF4-FFF2-40B4-BE49-F238E27FC236}">
-              <a16:creationId xmlns:a16="http://schemas.microsoft.com/office/drawing/2014/main" id="{D6CBC61C-E56E-BA9F-1A4A-0B6F523CB3DF}"/>
-            </a:ext>
-          </a:extLst>
-        </p:cNvPr>
-        <p:cNvGrpSpPr/>
-        <p:nvPr/>
-      </p:nvGrpSpPr>
-      <p:grpSpPr>
-        <a:xfrm>
-          <a:off x="0" y="0"/>
-          <a:ext cx="0" cy="0"/>
-          <a:chOff x="0" y="0"/>
-          <a:chExt cx="0" cy="0"/>
-        </a:xfrm>
-      </p:grpSpPr>
-      <p:sp>
-        <p:nvSpPr>
-          <p:cNvPr id="4" name="Rectangle 3">
-            <a:extLst>
-              <a:ext uri="{FF2B5EF4-FFF2-40B4-BE49-F238E27FC236}">
-                <a16:creationId xmlns:a16="http://schemas.microsoft.com/office/drawing/2014/main" id="{413B498E-15AD-2EE0-B2E5-91B95ACB22C6}"/>
-              </a:ext>
-            </a:extLst>
-          </p:cNvPr>
-          <p:cNvSpPr/>
-          <p:nvPr/>
-        </p:nvSpPr>
-        <p:spPr>
-          <a:xfrm flipV="1">
-            <a:off x="486779" y="1080598"/>
-            <a:ext cx="3358612" cy="65868"/>
-          </a:xfrm>
-          <a:prstGeom prst="rect">
-            <a:avLst/>
-          </a:prstGeom>
-          <a:ln>
-            <a:noFill/>
-          </a:ln>
-        </p:spPr>
-        <p:style>
-          <a:lnRef idx="2">
-            <a:schemeClr val="accent1">
-              <a:shade val="15000"/>
-            </a:schemeClr>
-          </a:lnRef>
-          <a:fillRef idx="1">
-            <a:schemeClr val="accent1"/>
-          </a:fillRef>
-          <a:effectRef idx="0">
-            <a:schemeClr val="accent1"/>
-          </a:effectRef>
-          <a:fontRef idx="minor">
-            <a:schemeClr val="lt1"/>
-          </a:fontRef>
-        </p:style>
-        <p:txBody>
-          <a:bodyPr rtlCol="0" anchor="ctr"/>
-          <a:lstStyle/>
-          <a:p>
-            <a:pPr algn="ctr"/>
-            <a:endParaRPr lang="en-GB"/>
-          </a:p>
-        </p:txBody>
-      </p:sp>
-      <p:sp>
-        <p:nvSpPr>
-          <p:cNvPr id="7" name="TextBox 6">
-            <a:extLst>
-              <a:ext uri="{FF2B5EF4-FFF2-40B4-BE49-F238E27FC236}">
-                <a16:creationId xmlns:a16="http://schemas.microsoft.com/office/drawing/2014/main" id="{88B5E823-C6D3-F0A8-FC9C-F70FD2B51E96}"/>
-              </a:ext>
-            </a:extLst>
-          </p:cNvPr>
-          <p:cNvSpPr txBox="1"/>
-          <p:nvPr/>
-        </p:nvSpPr>
-        <p:spPr>
-          <a:xfrm>
-            <a:off x="486779" y="434268"/>
-            <a:ext cx="3358612" cy="646331"/>
-          </a:xfrm>
-          <a:prstGeom prst="rect">
-            <a:avLst/>
-          </a:prstGeom>
-          <a:noFill/>
-        </p:spPr>
-        <p:txBody>
-          <a:bodyPr wrap="none" rtlCol="0">
-            <a:spAutoFit/>
-          </a:bodyPr>
-          <a:lstStyle/>
-          <a:p>
-            <a:r>
-              <a:rPr lang="en-GB" sz="3600" b="1" dirty="0">
-                <a:latin typeface="Neue Haas Grotesk Text Pro" panose="020B0504020202020204" pitchFamily="34" charset="0"/>
-              </a:rPr>
-              <a:t>The Hardware</a:t>
-            </a:r>
-          </a:p>
-        </p:txBody>
-      </p:sp>
-      <p:sp>
-        <p:nvSpPr>
-          <p:cNvPr id="8" name="TextBox 7">
-            <a:extLst>
-              <a:ext uri="{FF2B5EF4-FFF2-40B4-BE49-F238E27FC236}">
-                <a16:creationId xmlns:a16="http://schemas.microsoft.com/office/drawing/2014/main" id="{80D34FAE-F7E7-76D6-010E-9EFF7DBBC4DD}"/>
-              </a:ext>
-            </a:extLst>
-          </p:cNvPr>
-          <p:cNvSpPr txBox="1"/>
-          <p:nvPr/>
-        </p:nvSpPr>
-        <p:spPr>
-          <a:xfrm>
-            <a:off x="486779" y="1331134"/>
-            <a:ext cx="6396621" cy="1569660"/>
-          </a:xfrm>
-          <a:prstGeom prst="rect">
-            <a:avLst/>
-          </a:prstGeom>
-          <a:noFill/>
-        </p:spPr>
-        <p:txBody>
-          <a:bodyPr wrap="square" rtlCol="0">
-            <a:spAutoFit/>
-          </a:bodyPr>
-          <a:lstStyle/>
-          <a:p>
-            <a:pPr marL="342900" indent="-342900">
-              <a:buFont typeface="Arial" panose="020B0604020202020204" pitchFamily="34" charset="0"/>
-              <a:buChar char="•"/>
-            </a:pPr>
-            <a:r>
-              <a:rPr lang="en-GB" sz="2400" kern="1200" dirty="0">
-                <a:effectLst/>
-                <a:latin typeface="+mj-lt"/>
-                <a:ea typeface="+mn-ea"/>
-                <a:cs typeface="+mn-cs"/>
-              </a:rPr>
-              <a:t>Briefcase</a:t>
-            </a:r>
-          </a:p>
-          <a:p>
-            <a:pPr marL="342900" indent="-342900">
-              <a:buFont typeface="Arial" panose="020B0604020202020204" pitchFamily="34" charset="0"/>
-              <a:buChar char="•"/>
-            </a:pPr>
-            <a:r>
-              <a:rPr lang="en-GB" sz="2400" dirty="0">
-                <a:latin typeface="+mj-lt"/>
-              </a:rPr>
-              <a:t>Printer</a:t>
-            </a:r>
-          </a:p>
-          <a:p>
-            <a:pPr marL="342900" indent="-342900">
-              <a:buFont typeface="Arial" panose="020B0604020202020204" pitchFamily="34" charset="0"/>
-              <a:buChar char="•"/>
-            </a:pPr>
-            <a:r>
-              <a:rPr lang="en-GB" sz="2400" dirty="0">
-                <a:latin typeface="+mj-lt"/>
-              </a:rPr>
-              <a:t>Circuit Board</a:t>
-            </a:r>
-          </a:p>
-          <a:p>
-            <a:pPr marL="342900" indent="-342900">
-              <a:buFont typeface="Arial" panose="020B0604020202020204" pitchFamily="34" charset="0"/>
-              <a:buChar char="•"/>
-            </a:pPr>
-            <a:r>
-              <a:rPr lang="en-GB" sz="2400" dirty="0">
-                <a:latin typeface="+mj-lt"/>
-              </a:rPr>
-              <a:t>Joystick</a:t>
-            </a:r>
-          </a:p>
-        </p:txBody>
-      </p:sp>
-      <p:pic>
-        <p:nvPicPr>
-          <p:cNvPr id="5" name="Graphic 4" descr="Processor">
-            <a:extLst>
-              <a:ext uri="{FF2B5EF4-FFF2-40B4-BE49-F238E27FC236}">
-                <a16:creationId xmlns:a16="http://schemas.microsoft.com/office/drawing/2014/main" id="{7CED5F49-66D3-EFF1-15AF-4A78F7E74265}"/>
-              </a:ext>
-            </a:extLst>
-          </p:cNvPr>
-          <p:cNvPicPr>
-            <a:picLocks noChangeAspect="1"/>
-          </p:cNvPicPr>
-          <p:nvPr/>
-        </p:nvPicPr>
-        <p:blipFill>
-          <a:blip r:embed="rId2">
-            <a:extLst>
-              <a:ext uri="{28A0092B-C50C-407E-A947-70E740481C1C}">
-                <a14:useLocalDpi xmlns:a14="http://schemas.microsoft.com/office/drawing/2010/main" val="0"/>
-              </a:ext>
-              <a:ext uri="{96DAC541-7B7A-43D3-8B79-37D633B846F1}">
-                <asvg:svgBlip xmlns:asvg="http://schemas.microsoft.com/office/drawing/2016/SVG/main" r:embed="rId3"/>
-              </a:ext>
-            </a:extLst>
-          </a:blip>
-          <a:stretch>
-            <a:fillRect/>
-          </a:stretch>
-        </p:blipFill>
-        <p:spPr>
-          <a:xfrm>
-            <a:off x="5028948" y="-171450"/>
-            <a:ext cx="9715500" cy="9715500"/>
-          </a:xfrm>
-          <a:prstGeom prst="rect">
-            <a:avLst/>
-          </a:prstGeom>
-        </p:spPr>
-      </p:pic>
-    </p:spTree>
-    <p:extLst>
-      <p:ext uri="{BB962C8B-B14F-4D97-AF65-F5344CB8AC3E}">
-        <p14:creationId xmlns:p14="http://schemas.microsoft.com/office/powerpoint/2010/main" val="2565751352"/>
-      </p:ext>
-    </p:extLst>
-  </p:cSld>
-  <p:clrMapOvr>
-    <a:masterClrMapping/>
-  </p:clrMapOvr>
-  <p:transition spd="med">
-    <p:pull dir="r"/>
-  </p:transition>
-</p:sld>
-</file>
-
-<file path=ppt/slides/slide5.xml><?xml version="1.0" encoding="utf-8"?>
+<file path=ppt/slides/slide6.xml><?xml version="1.0" encoding="utf-8"?>
 <p:sld xmlns:a="http://schemas.openxmlformats.org/drawingml/2006/main" xmlns:r="http://schemas.openxmlformats.org/officeDocument/2006/relationships" xmlns:p="http://schemas.openxmlformats.org/presentationml/2006/main">
   <p:cSld>
     <p:spTree>
@@ -4463,7 +6066,7 @@
         <p:spPr>
           <a:xfrm>
             <a:off x="486779" y="2649049"/>
-            <a:ext cx="4720221" cy="4135427"/>
+            <a:ext cx="4720221" cy="3852273"/>
           </a:xfrm>
           <a:prstGeom prst="rect">
             <a:avLst/>
@@ -4494,7 +6097,7 @@
                 <a:ea typeface="Times New Roman" panose="02020603050405020304" pitchFamily="18" charset="0"/>
                 <a:cs typeface="Times New Roman" panose="02020603050405020304" pitchFamily="18" charset="0"/>
               </a:rPr>
-              <a:t>You are an engineer for an experimental space exploration company, recently your team launched colin, an interplanetary explorer, into space. During a simple space walk they were hit by a bit of space debris, and they lost the ability to control their jetpack. </a:t>
+              <a:t>You are an engineer for an experimental space exploration company, recently your team launched an interplanetary explorer, into space. During a simple space walk they were hit by a bit of space debris, and they lost the ability to control their jetpack. </a:t>
             </a:r>
           </a:p>
           <a:p>
@@ -4516,7 +6119,7 @@
                 <a:ea typeface="Times New Roman" panose="02020603050405020304" pitchFamily="18" charset="0"/>
                 <a:cs typeface="Times New Roman" panose="02020603050405020304" pitchFamily="18" charset="0"/>
               </a:rPr>
-              <a:t>In a panicked frenzy they call space control for help, but you are the only one with the kit to help; use your B.E.A.C.O.N (Briefcase Emergency Assistance for Cosmic Operations and Navigation) to help guide the astronaut back to the shuttle before they run out of oxygen or fuel.</a:t>
+              <a:t>In a panicked frenzy they call space control for help, but you are the only one with the kit to help; use your B.E.A.C.O.N (Briefcase for Emergency Assistance on Cosmic Operations and Navigation) to help guide the astronaut back to the shuttle before they run out of oxygen or fuel.</a:t>
             </a:r>
           </a:p>
         </p:txBody>
@@ -4669,7 +6272,7 @@
 </p:sld>
 </file>
 
-<file path=ppt/slides/slide6.xml><?xml version="1.0" encoding="utf-8"?>
+<file path=ppt/slides/slide7.xml><?xml version="1.0" encoding="utf-8"?>
 <p:sld xmlns:a="http://schemas.openxmlformats.org/drawingml/2006/main" xmlns:r="http://schemas.openxmlformats.org/officeDocument/2006/relationships" xmlns:p="http://schemas.openxmlformats.org/presentationml/2006/main">
   <p:cSld>
     <p:spTree>
@@ -4677,7 +6280,7 @@
         <p:cNvPr id="1" name="">
           <a:extLst>
             <a:ext uri="{FF2B5EF4-FFF2-40B4-BE49-F238E27FC236}">
-              <a16:creationId xmlns:a16="http://schemas.microsoft.com/office/drawing/2014/main" id="{973634A4-B044-F791-E37C-9DB3E8837D75}"/>
+              <a16:creationId xmlns:a16="http://schemas.microsoft.com/office/drawing/2014/main" id="{D6CBC61C-E56E-BA9F-1A4A-0B6F523CB3DF}"/>
             </a:ext>
           </a:extLst>
         </p:cNvPr>
@@ -4697,7 +6300,7 @@
           <p:cNvPr id="4" name="Rectangle 3">
             <a:extLst>
               <a:ext uri="{FF2B5EF4-FFF2-40B4-BE49-F238E27FC236}">
-                <a16:creationId xmlns:a16="http://schemas.microsoft.com/office/drawing/2014/main" id="{F3197003-693A-998D-6E5E-494A8C94AF52}"/>
+                <a16:creationId xmlns:a16="http://schemas.microsoft.com/office/drawing/2014/main" id="{413B498E-15AD-2EE0-B2E5-91B95ACB22C6}"/>
               </a:ext>
             </a:extLst>
           </p:cNvPr>
@@ -4746,7 +6349,7 @@
           <p:cNvPr id="7" name="TextBox 6">
             <a:extLst>
               <a:ext uri="{FF2B5EF4-FFF2-40B4-BE49-F238E27FC236}">
-                <a16:creationId xmlns:a16="http://schemas.microsoft.com/office/drawing/2014/main" id="{163D0E39-E095-2BD8-679A-0ACCB3C8BC70}"/>
+                <a16:creationId xmlns:a16="http://schemas.microsoft.com/office/drawing/2014/main" id="{88B5E823-C6D3-F0A8-FC9C-F70FD2B51E96}"/>
               </a:ext>
             </a:extLst>
           </p:cNvPr>
@@ -4756,7 +6359,7 @@
         <p:spPr>
           <a:xfrm>
             <a:off x="486779" y="434268"/>
-            <a:ext cx="1641796" cy="646331"/>
+            <a:ext cx="3358612" cy="646331"/>
           </a:xfrm>
           <a:prstGeom prst="rect">
             <a:avLst/>
@@ -4773,7 +6376,7 @@
               <a:rPr lang="en-GB" sz="3600" b="1" dirty="0">
                 <a:latin typeface="Neue Haas Grotesk Text Pro" panose="020B0504020202020204" pitchFamily="34" charset="0"/>
               </a:rPr>
-              <a:t>Demo!</a:t>
+              <a:t>The Hardware</a:t>
             </a:r>
           </a:p>
         </p:txBody>
@@ -4783,7 +6386,7 @@
           <p:cNvPr id="8" name="TextBox 7">
             <a:extLst>
               <a:ext uri="{FF2B5EF4-FFF2-40B4-BE49-F238E27FC236}">
-                <a16:creationId xmlns:a16="http://schemas.microsoft.com/office/drawing/2014/main" id="{135B67DF-0E50-2330-EDC0-6DD0D9CCA42A}"/>
+                <a16:creationId xmlns:a16="http://schemas.microsoft.com/office/drawing/2014/main" id="{80D34FAE-F7E7-76D6-010E-9EFF7DBBC4DD}"/>
               </a:ext>
             </a:extLst>
           </p:cNvPr>
@@ -4793,7 +6396,7 @@
         <p:spPr>
           <a:xfrm>
             <a:off x="486779" y="1331134"/>
-            <a:ext cx="7695687" cy="1569660"/>
+            <a:ext cx="6396621" cy="1569660"/>
           </a:xfrm>
           <a:prstGeom prst="rect">
             <a:avLst/>
@@ -4806,21 +6409,70 @@
           </a:bodyPr>
           <a:lstStyle/>
           <a:p>
+            <a:pPr marL="342900" indent="-342900">
+              <a:buFont typeface="Arial" panose="020B0604020202020204" pitchFamily="34" charset="0"/>
+              <a:buChar char="•"/>
+            </a:pPr>
             <a:r>
               <a:rPr lang="en-GB" sz="2400" dirty="0">
                 <a:latin typeface="+mj-lt"/>
               </a:rPr>
-              <a:t>Be warned this is very much still work in progress and technical faults are bound to happen whilst working with experimental technology!</a:t>
+              <a:t>Circuit Board</a:t>
+            </a:r>
+            <a:endParaRPr lang="en-GB" sz="2400" kern="1200" dirty="0">
+              <a:effectLst/>
+              <a:latin typeface="+mj-lt"/>
+              <a:ea typeface="+mn-ea"/>
+              <a:cs typeface="+mn-cs"/>
+            </a:endParaRPr>
+          </a:p>
+          <a:p>
+            <a:pPr marL="342900" indent="-342900">
+              <a:buFont typeface="Arial" panose="020B0604020202020204" pitchFamily="34" charset="0"/>
+              <a:buChar char="•"/>
+            </a:pPr>
+            <a:r>
+              <a:rPr lang="en-GB" sz="2400" dirty="0">
+                <a:latin typeface="+mj-lt"/>
+              </a:rPr>
+              <a:t>Printer</a:t>
+            </a:r>
+          </a:p>
+          <a:p>
+            <a:pPr marL="342900" indent="-342900">
+              <a:buFont typeface="Arial" panose="020B0604020202020204" pitchFamily="34" charset="0"/>
+              <a:buChar char="•"/>
+            </a:pPr>
+            <a:r>
+              <a:rPr lang="en-GB" sz="2400" dirty="0">
+                <a:latin typeface="+mj-lt"/>
+              </a:rPr>
+              <a:t>Joystick</a:t>
+            </a:r>
+          </a:p>
+          <a:p>
+            <a:pPr marL="342900" indent="-342900">
+              <a:buFont typeface="Arial" panose="020B0604020202020204" pitchFamily="34" charset="0"/>
+              <a:buChar char="•"/>
+            </a:pPr>
+            <a:r>
+              <a:rPr lang="en-GB" sz="2400" kern="1200" dirty="0">
+                <a:effectLst/>
+                <a:latin typeface="+mj-lt"/>
+                <a:ea typeface="+mn-ea"/>
+                <a:cs typeface="+mn-cs"/>
+              </a:rPr>
+              <a:t>Briefcase</a:t>
             </a:r>
           </a:p>
         </p:txBody>
       </p:sp>
       <p:pic>
         <p:nvPicPr>
-          <p:cNvPr id="2" name="Graphic 1" descr="Gears">
-            <a:extLst>
-              <a:ext uri="{FF2B5EF4-FFF2-40B4-BE49-F238E27FC236}">
-                <a16:creationId xmlns:a16="http://schemas.microsoft.com/office/drawing/2014/main" id="{65BDD06F-4824-361A-300E-097744970004}"/>
+          <p:cNvPr id="5" name="Graphic 4" descr="Processor">
+            <a:extLst>
+              <a:ext uri="{FF2B5EF4-FFF2-40B4-BE49-F238E27FC236}">
+                <a16:creationId xmlns:a16="http://schemas.microsoft.com/office/drawing/2014/main" id="{7CED5F49-66D3-EFF1-15AF-4A78F7E74265}"/>
               </a:ext>
             </a:extLst>
           </p:cNvPr>
@@ -4857,7 +6509,734 @@
     </p:spTree>
     <p:extLst>
       <p:ext uri="{BB962C8B-B14F-4D97-AF65-F5344CB8AC3E}">
-        <p14:creationId xmlns:p14="http://schemas.microsoft.com/office/powerpoint/2010/main" val="3366352035"/>
+        <p14:creationId xmlns:p14="http://schemas.microsoft.com/office/powerpoint/2010/main" val="2565751352"/>
+      </p:ext>
+    </p:extLst>
+  </p:cSld>
+  <p:clrMapOvr>
+    <a:masterClrMapping/>
+  </p:clrMapOvr>
+  <p:transition spd="med">
+    <p:pull dir="r"/>
+  </p:transition>
+</p:sld>
+</file>
+
+<file path=ppt/slides/slide8.xml><?xml version="1.0" encoding="utf-8"?>
+<p:sld xmlns:a="http://schemas.openxmlformats.org/drawingml/2006/main" xmlns:r="http://schemas.openxmlformats.org/officeDocument/2006/relationships" xmlns:p="http://schemas.openxmlformats.org/presentationml/2006/main">
+  <p:cSld>
+    <p:spTree>
+      <p:nvGrpSpPr>
+        <p:cNvPr id="1" name="">
+          <a:extLst>
+            <a:ext uri="{FF2B5EF4-FFF2-40B4-BE49-F238E27FC236}">
+              <a16:creationId xmlns:a16="http://schemas.microsoft.com/office/drawing/2014/main" id="{1FC74D9B-39D9-2702-D555-60CB39F2A593}"/>
+            </a:ext>
+          </a:extLst>
+        </p:cNvPr>
+        <p:cNvGrpSpPr/>
+        <p:nvPr/>
+      </p:nvGrpSpPr>
+      <p:grpSpPr>
+        <a:xfrm>
+          <a:off x="0" y="0"/>
+          <a:ext cx="0" cy="0"/>
+          <a:chOff x="0" y="0"/>
+          <a:chExt cx="0" cy="0"/>
+        </a:xfrm>
+      </p:grpSpPr>
+      <p:sp>
+        <p:nvSpPr>
+          <p:cNvPr id="4" name="Rectangle 3">
+            <a:extLst>
+              <a:ext uri="{FF2B5EF4-FFF2-40B4-BE49-F238E27FC236}">
+                <a16:creationId xmlns:a16="http://schemas.microsoft.com/office/drawing/2014/main" id="{581FAC63-80B3-35E1-4C32-36CD74A6FB34}"/>
+              </a:ext>
+            </a:extLst>
+          </p:cNvPr>
+          <p:cNvSpPr/>
+          <p:nvPr/>
+        </p:nvSpPr>
+        <p:spPr>
+          <a:xfrm flipV="1">
+            <a:off x="486779" y="1080598"/>
+            <a:ext cx="3358612" cy="65868"/>
+          </a:xfrm>
+          <a:prstGeom prst="rect">
+            <a:avLst/>
+          </a:prstGeom>
+          <a:ln>
+            <a:noFill/>
+          </a:ln>
+        </p:spPr>
+        <p:style>
+          <a:lnRef idx="2">
+            <a:schemeClr val="accent1">
+              <a:shade val="15000"/>
+            </a:schemeClr>
+          </a:lnRef>
+          <a:fillRef idx="1">
+            <a:schemeClr val="accent1"/>
+          </a:fillRef>
+          <a:effectRef idx="0">
+            <a:schemeClr val="accent1"/>
+          </a:effectRef>
+          <a:fontRef idx="minor">
+            <a:schemeClr val="lt1"/>
+          </a:fontRef>
+        </p:style>
+        <p:txBody>
+          <a:bodyPr rtlCol="0" anchor="ctr"/>
+          <a:lstStyle/>
+          <a:p>
+            <a:pPr algn="ctr"/>
+            <a:endParaRPr lang="en-GB"/>
+          </a:p>
+        </p:txBody>
+      </p:sp>
+      <p:sp>
+        <p:nvSpPr>
+          <p:cNvPr id="7" name="TextBox 6">
+            <a:extLst>
+              <a:ext uri="{FF2B5EF4-FFF2-40B4-BE49-F238E27FC236}">
+                <a16:creationId xmlns:a16="http://schemas.microsoft.com/office/drawing/2014/main" id="{B8BDDC0A-D9D3-5EEF-E999-AAF7A534170A}"/>
+              </a:ext>
+            </a:extLst>
+          </p:cNvPr>
+          <p:cNvSpPr txBox="1"/>
+          <p:nvPr/>
+        </p:nvSpPr>
+        <p:spPr>
+          <a:xfrm>
+            <a:off x="486779" y="434268"/>
+            <a:ext cx="4515980" cy="646331"/>
+          </a:xfrm>
+          <a:prstGeom prst="rect">
+            <a:avLst/>
+          </a:prstGeom>
+          <a:noFill/>
+        </p:spPr>
+        <p:txBody>
+          <a:bodyPr wrap="none" rtlCol="0">
+            <a:spAutoFit/>
+          </a:bodyPr>
+          <a:lstStyle/>
+          <a:p>
+            <a:r>
+              <a:rPr lang="en-GB" sz="3600" b="1" dirty="0">
+                <a:latin typeface="Neue Haas Grotesk Text Pro" panose="020B0504020202020204" pitchFamily="34" charset="0"/>
+              </a:rPr>
+              <a:t>The Code - Arduino</a:t>
+            </a:r>
+          </a:p>
+        </p:txBody>
+      </p:sp>
+      <p:pic>
+        <p:nvPicPr>
+          <p:cNvPr id="5" name="Graphic 4" descr="Web design outline">
+            <a:extLst>
+              <a:ext uri="{FF2B5EF4-FFF2-40B4-BE49-F238E27FC236}">
+                <a16:creationId xmlns:a16="http://schemas.microsoft.com/office/drawing/2014/main" id="{5E33C021-14E8-F0E5-F3C4-CAAAEE92186C}"/>
+              </a:ext>
+            </a:extLst>
+          </p:cNvPr>
+          <p:cNvPicPr>
+            <a:picLocks noChangeAspect="1"/>
+          </p:cNvPicPr>
+          <p:nvPr/>
+        </p:nvPicPr>
+        <p:blipFill>
+          <a:blip r:embed="rId3">
+            <a:extLst>
+              <a:ext uri="{96DAC541-7B7A-43D3-8B79-37D633B846F1}">
+                <asvg:svgBlip xmlns:asvg="http://schemas.microsoft.com/office/drawing/2016/SVG/main" r:embed="rId4"/>
+              </a:ext>
+            </a:extLst>
+          </a:blip>
+          <a:srcRect/>
+          <a:stretch/>
+        </p:blipFill>
+        <p:spPr>
+          <a:xfrm>
+            <a:off x="5028948" y="-171450"/>
+            <a:ext cx="9715500" cy="9715500"/>
+          </a:xfrm>
+          <a:prstGeom prst="rect">
+            <a:avLst/>
+          </a:prstGeom>
+        </p:spPr>
+      </p:pic>
+      <p:pic>
+        <p:nvPicPr>
+          <p:cNvPr id="12" name="Picture 11">
+            <a:extLst>
+              <a:ext uri="{FF2B5EF4-FFF2-40B4-BE49-F238E27FC236}">
+                <a16:creationId xmlns:a16="http://schemas.microsoft.com/office/drawing/2014/main" id="{8B85BBC6-1E05-9DC4-1A05-C56522189BDE}"/>
+              </a:ext>
+            </a:extLst>
+          </p:cNvPr>
+          <p:cNvPicPr>
+            <a:picLocks noChangeAspect="1"/>
+          </p:cNvPicPr>
+          <p:nvPr/>
+        </p:nvPicPr>
+        <p:blipFill>
+          <a:blip r:embed="rId5"/>
+          <a:stretch>
+            <a:fillRect/>
+          </a:stretch>
+        </p:blipFill>
+        <p:spPr>
+          <a:xfrm>
+            <a:off x="482716" y="1350676"/>
+            <a:ext cx="9820477" cy="5073056"/>
+          </a:xfrm>
+          <a:prstGeom prst="rect">
+            <a:avLst/>
+          </a:prstGeom>
+        </p:spPr>
+      </p:pic>
+      <p:pic>
+        <p:nvPicPr>
+          <p:cNvPr id="10" name="Picture 9">
+            <a:extLst>
+              <a:ext uri="{FF2B5EF4-FFF2-40B4-BE49-F238E27FC236}">
+                <a16:creationId xmlns:a16="http://schemas.microsoft.com/office/drawing/2014/main" id="{A1D93C85-B3DA-630C-2E4A-502E11F06F7E}"/>
+              </a:ext>
+            </a:extLst>
+          </p:cNvPr>
+          <p:cNvPicPr>
+            <a:picLocks noChangeAspect="1"/>
+          </p:cNvPicPr>
+          <p:nvPr/>
+        </p:nvPicPr>
+        <p:blipFill>
+          <a:blip r:embed="rId6">
+            <a:alphaModFix/>
+          </a:blip>
+          <a:stretch>
+            <a:fillRect/>
+          </a:stretch>
+        </p:blipFill>
+        <p:spPr>
+          <a:xfrm>
+            <a:off x="482716" y="1350676"/>
+            <a:ext cx="4550295" cy="1511009"/>
+          </a:xfrm>
+          <a:prstGeom prst="rect">
+            <a:avLst/>
+          </a:prstGeom>
+        </p:spPr>
+      </p:pic>
+      <p:pic>
+        <p:nvPicPr>
+          <p:cNvPr id="14" name="Picture 13">
+            <a:extLst>
+              <a:ext uri="{FF2B5EF4-FFF2-40B4-BE49-F238E27FC236}">
+                <a16:creationId xmlns:a16="http://schemas.microsoft.com/office/drawing/2014/main" id="{BAF77278-15CF-EA2F-B91B-388EF46D9B51}"/>
+              </a:ext>
+            </a:extLst>
+          </p:cNvPr>
+          <p:cNvPicPr>
+            <a:picLocks noChangeAspect="1"/>
+          </p:cNvPicPr>
+          <p:nvPr/>
+        </p:nvPicPr>
+        <p:blipFill>
+          <a:blip r:embed="rId7"/>
+          <a:srcRect l="1008" t="2044" b="1"/>
+          <a:stretch/>
+        </p:blipFill>
+        <p:spPr>
+          <a:xfrm>
+            <a:off x="482716" y="5049537"/>
+            <a:ext cx="4092770" cy="1455730"/>
+          </a:xfrm>
+          <a:prstGeom prst="rect">
+            <a:avLst/>
+          </a:prstGeom>
+        </p:spPr>
+      </p:pic>
+      <p:pic>
+        <p:nvPicPr>
+          <p:cNvPr id="16" name="Picture 15">
+            <a:extLst>
+              <a:ext uri="{FF2B5EF4-FFF2-40B4-BE49-F238E27FC236}">
+                <a16:creationId xmlns:a16="http://schemas.microsoft.com/office/drawing/2014/main" id="{C5450378-3394-2043-FDEA-633834223AB3}"/>
+              </a:ext>
+            </a:extLst>
+          </p:cNvPr>
+          <p:cNvPicPr>
+            <a:picLocks noChangeAspect="1"/>
+          </p:cNvPicPr>
+          <p:nvPr/>
+        </p:nvPicPr>
+        <p:blipFill>
+          <a:blip r:embed="rId8"/>
+          <a:stretch>
+            <a:fillRect/>
+          </a:stretch>
+        </p:blipFill>
+        <p:spPr>
+          <a:xfrm>
+            <a:off x="482716" y="3219245"/>
+            <a:ext cx="6554115" cy="1467055"/>
+          </a:xfrm>
+          <a:prstGeom prst="rect">
+            <a:avLst/>
+          </a:prstGeom>
+        </p:spPr>
+      </p:pic>
+    </p:spTree>
+    <p:extLst>
+      <p:ext uri="{BB962C8B-B14F-4D97-AF65-F5344CB8AC3E}">
+        <p14:creationId xmlns:p14="http://schemas.microsoft.com/office/powerpoint/2010/main" val="464928839"/>
+      </p:ext>
+    </p:extLst>
+  </p:cSld>
+  <p:clrMapOvr>
+    <a:masterClrMapping/>
+  </p:clrMapOvr>
+  <p:transition spd="med">
+    <p:pull dir="r"/>
+  </p:transition>
+  <p:timing>
+    <p:tnLst>
+      <p:par>
+        <p:cTn id="1" dur="indefinite" restart="never" nodeType="tmRoot">
+          <p:childTnLst>
+            <p:seq concurrent="1" nextAc="seek">
+              <p:cTn id="2" dur="indefinite" nodeType="mainSeq">
+                <p:childTnLst>
+                  <p:par>
+                    <p:cTn id="3" fill="hold">
+                      <p:stCondLst>
+                        <p:cond delay="indefinite"/>
+                      </p:stCondLst>
+                      <p:childTnLst>
+                        <p:par>
+                          <p:cTn id="4" fill="hold">
+                            <p:stCondLst>
+                              <p:cond delay="0"/>
+                            </p:stCondLst>
+                            <p:childTnLst>
+                              <p:par>
+                                <p:cTn id="5" presetID="10" presetClass="exit" presetSubtype="0" fill="hold" nodeType="clickEffect">
+                                  <p:stCondLst>
+                                    <p:cond delay="0"/>
+                                  </p:stCondLst>
+                                  <p:childTnLst>
+                                    <p:animEffect transition="out" filter="fade">
+                                      <p:cBhvr>
+                                        <p:cTn id="6" dur="500"/>
+                                        <p:tgtEl>
+                                          <p:spTgt spid="10"/>
+                                        </p:tgtEl>
+                                      </p:cBhvr>
+                                    </p:animEffect>
+                                    <p:set>
+                                      <p:cBhvr>
+                                        <p:cTn id="7" dur="1" fill="hold">
+                                          <p:stCondLst>
+                                            <p:cond delay="499"/>
+                                          </p:stCondLst>
+                                        </p:cTn>
+                                        <p:tgtEl>
+                                          <p:spTgt spid="10"/>
+                                        </p:tgtEl>
+                                        <p:attrNameLst>
+                                          <p:attrName>style.visibility</p:attrName>
+                                        </p:attrNameLst>
+                                      </p:cBhvr>
+                                      <p:to>
+                                        <p:strVal val="hidden"/>
+                                      </p:to>
+                                    </p:set>
+                                  </p:childTnLst>
+                                </p:cTn>
+                              </p:par>
+                              <p:par>
+                                <p:cTn id="8" presetID="10" presetClass="exit" presetSubtype="0" fill="hold" nodeType="withEffect">
+                                  <p:stCondLst>
+                                    <p:cond delay="0"/>
+                                  </p:stCondLst>
+                                  <p:childTnLst>
+                                    <p:animEffect transition="out" filter="fade">
+                                      <p:cBhvr>
+                                        <p:cTn id="9" dur="500"/>
+                                        <p:tgtEl>
+                                          <p:spTgt spid="16"/>
+                                        </p:tgtEl>
+                                      </p:cBhvr>
+                                    </p:animEffect>
+                                    <p:set>
+                                      <p:cBhvr>
+                                        <p:cTn id="10" dur="1" fill="hold">
+                                          <p:stCondLst>
+                                            <p:cond delay="499"/>
+                                          </p:stCondLst>
+                                        </p:cTn>
+                                        <p:tgtEl>
+                                          <p:spTgt spid="16"/>
+                                        </p:tgtEl>
+                                        <p:attrNameLst>
+                                          <p:attrName>style.visibility</p:attrName>
+                                        </p:attrNameLst>
+                                      </p:cBhvr>
+                                      <p:to>
+                                        <p:strVal val="hidden"/>
+                                      </p:to>
+                                    </p:set>
+                                  </p:childTnLst>
+                                </p:cTn>
+                              </p:par>
+                              <p:par>
+                                <p:cTn id="11" presetID="10" presetClass="exit" presetSubtype="0" fill="hold" nodeType="withEffect">
+                                  <p:stCondLst>
+                                    <p:cond delay="0"/>
+                                  </p:stCondLst>
+                                  <p:childTnLst>
+                                    <p:animEffect transition="out" filter="fade">
+                                      <p:cBhvr>
+                                        <p:cTn id="12" dur="500"/>
+                                        <p:tgtEl>
+                                          <p:spTgt spid="14"/>
+                                        </p:tgtEl>
+                                      </p:cBhvr>
+                                    </p:animEffect>
+                                    <p:set>
+                                      <p:cBhvr>
+                                        <p:cTn id="13" dur="1" fill="hold">
+                                          <p:stCondLst>
+                                            <p:cond delay="499"/>
+                                          </p:stCondLst>
+                                        </p:cTn>
+                                        <p:tgtEl>
+                                          <p:spTgt spid="14"/>
+                                        </p:tgtEl>
+                                        <p:attrNameLst>
+                                          <p:attrName>style.visibility</p:attrName>
+                                        </p:attrNameLst>
+                                      </p:cBhvr>
+                                      <p:to>
+                                        <p:strVal val="hidden"/>
+                                      </p:to>
+                                    </p:set>
+                                  </p:childTnLst>
+                                </p:cTn>
+                              </p:par>
+                              <p:par>
+                                <p:cTn id="14" presetID="10" presetClass="entr" presetSubtype="0" fill="hold" nodeType="withEffect">
+                                  <p:stCondLst>
+                                    <p:cond delay="0"/>
+                                  </p:stCondLst>
+                                  <p:childTnLst>
+                                    <p:set>
+                                      <p:cBhvr>
+                                        <p:cTn id="15" dur="1" fill="hold">
+                                          <p:stCondLst>
+                                            <p:cond delay="0"/>
+                                          </p:stCondLst>
+                                        </p:cTn>
+                                        <p:tgtEl>
+                                          <p:spTgt spid="12"/>
+                                        </p:tgtEl>
+                                        <p:attrNameLst>
+                                          <p:attrName>style.visibility</p:attrName>
+                                        </p:attrNameLst>
+                                      </p:cBhvr>
+                                      <p:to>
+                                        <p:strVal val="visible"/>
+                                      </p:to>
+                                    </p:set>
+                                    <p:animEffect transition="in" filter="fade">
+                                      <p:cBhvr>
+                                        <p:cTn id="16" dur="500"/>
+                                        <p:tgtEl>
+                                          <p:spTgt spid="12"/>
+                                        </p:tgtEl>
+                                      </p:cBhvr>
+                                    </p:animEffect>
+                                  </p:childTnLst>
+                                </p:cTn>
+                              </p:par>
+                            </p:childTnLst>
+                          </p:cTn>
+                        </p:par>
+                      </p:childTnLst>
+                    </p:cTn>
+                  </p:par>
+                </p:childTnLst>
+              </p:cTn>
+              <p:prevCondLst>
+                <p:cond evt="onPrev" delay="0">
+                  <p:tgtEl>
+                    <p:sldTgt/>
+                  </p:tgtEl>
+                </p:cond>
+              </p:prevCondLst>
+              <p:nextCondLst>
+                <p:cond evt="onNext" delay="0">
+                  <p:tgtEl>
+                    <p:sldTgt/>
+                  </p:tgtEl>
+                </p:cond>
+              </p:nextCondLst>
+            </p:seq>
+          </p:childTnLst>
+        </p:cTn>
+      </p:par>
+    </p:tnLst>
+  </p:timing>
+</p:sld>
+</file>
+
+<file path=ppt/slides/slide9.xml><?xml version="1.0" encoding="utf-8"?>
+<p:sld xmlns:a="http://schemas.openxmlformats.org/drawingml/2006/main" xmlns:r="http://schemas.openxmlformats.org/officeDocument/2006/relationships" xmlns:p="http://schemas.openxmlformats.org/presentationml/2006/main">
+  <p:cSld>
+    <p:spTree>
+      <p:nvGrpSpPr>
+        <p:cNvPr id="1" name="">
+          <a:extLst>
+            <a:ext uri="{FF2B5EF4-FFF2-40B4-BE49-F238E27FC236}">
+              <a16:creationId xmlns:a16="http://schemas.microsoft.com/office/drawing/2014/main" id="{575BA27C-E5AA-41C0-4624-549118E9DA9B}"/>
+            </a:ext>
+          </a:extLst>
+        </p:cNvPr>
+        <p:cNvGrpSpPr/>
+        <p:nvPr/>
+      </p:nvGrpSpPr>
+      <p:grpSpPr>
+        <a:xfrm>
+          <a:off x="0" y="0"/>
+          <a:ext cx="0" cy="0"/>
+          <a:chOff x="0" y="0"/>
+          <a:chExt cx="0" cy="0"/>
+        </a:xfrm>
+      </p:grpSpPr>
+      <p:sp>
+        <p:nvSpPr>
+          <p:cNvPr id="4" name="Rectangle 3">
+            <a:extLst>
+              <a:ext uri="{FF2B5EF4-FFF2-40B4-BE49-F238E27FC236}">
+                <a16:creationId xmlns:a16="http://schemas.microsoft.com/office/drawing/2014/main" id="{67A1EE8B-F8C0-96FA-7C82-03D2816501C8}"/>
+              </a:ext>
+            </a:extLst>
+          </p:cNvPr>
+          <p:cNvSpPr/>
+          <p:nvPr/>
+        </p:nvSpPr>
+        <p:spPr>
+          <a:xfrm flipV="1">
+            <a:off x="486779" y="1080598"/>
+            <a:ext cx="3358612" cy="65868"/>
+          </a:xfrm>
+          <a:prstGeom prst="rect">
+            <a:avLst/>
+          </a:prstGeom>
+          <a:ln>
+            <a:noFill/>
+          </a:ln>
+        </p:spPr>
+        <p:style>
+          <a:lnRef idx="2">
+            <a:schemeClr val="accent1">
+              <a:shade val="15000"/>
+            </a:schemeClr>
+          </a:lnRef>
+          <a:fillRef idx="1">
+            <a:schemeClr val="accent1"/>
+          </a:fillRef>
+          <a:effectRef idx="0">
+            <a:schemeClr val="accent1"/>
+          </a:effectRef>
+          <a:fontRef idx="minor">
+            <a:schemeClr val="lt1"/>
+          </a:fontRef>
+        </p:style>
+        <p:txBody>
+          <a:bodyPr rtlCol="0" anchor="ctr"/>
+          <a:lstStyle/>
+          <a:p>
+            <a:pPr algn="ctr"/>
+            <a:endParaRPr lang="en-GB"/>
+          </a:p>
+        </p:txBody>
+      </p:sp>
+      <p:sp>
+        <p:nvSpPr>
+          <p:cNvPr id="7" name="TextBox 6">
+            <a:extLst>
+              <a:ext uri="{FF2B5EF4-FFF2-40B4-BE49-F238E27FC236}">
+                <a16:creationId xmlns:a16="http://schemas.microsoft.com/office/drawing/2014/main" id="{57B92408-DA23-E90A-3691-853495F67B9E}"/>
+              </a:ext>
+            </a:extLst>
+          </p:cNvPr>
+          <p:cNvSpPr txBox="1"/>
+          <p:nvPr/>
+        </p:nvSpPr>
+        <p:spPr>
+          <a:xfrm>
+            <a:off x="486779" y="434268"/>
+            <a:ext cx="3656770" cy="646331"/>
+          </a:xfrm>
+          <a:prstGeom prst="rect">
+            <a:avLst/>
+          </a:prstGeom>
+          <a:noFill/>
+        </p:spPr>
+        <p:txBody>
+          <a:bodyPr wrap="none" rtlCol="0">
+            <a:spAutoFit/>
+          </a:bodyPr>
+          <a:lstStyle/>
+          <a:p>
+            <a:r>
+              <a:rPr lang="en-GB" sz="3600" b="1" dirty="0">
+                <a:latin typeface="Neue Haas Grotesk Text Pro" panose="020B0504020202020204" pitchFamily="34" charset="0"/>
+              </a:rPr>
+              <a:t>The Challenges</a:t>
+            </a:r>
+          </a:p>
+        </p:txBody>
+      </p:sp>
+      <p:sp>
+        <p:nvSpPr>
+          <p:cNvPr id="8" name="TextBox 7">
+            <a:extLst>
+              <a:ext uri="{FF2B5EF4-FFF2-40B4-BE49-F238E27FC236}">
+                <a16:creationId xmlns:a16="http://schemas.microsoft.com/office/drawing/2014/main" id="{328BCA54-0198-2411-64EB-922CAD8F2020}"/>
+              </a:ext>
+            </a:extLst>
+          </p:cNvPr>
+          <p:cNvSpPr txBox="1"/>
+          <p:nvPr/>
+        </p:nvSpPr>
+        <p:spPr>
+          <a:xfrm>
+            <a:off x="486779" y="1331134"/>
+            <a:ext cx="6396621" cy="1569660"/>
+          </a:xfrm>
+          <a:prstGeom prst="rect">
+            <a:avLst/>
+          </a:prstGeom>
+          <a:noFill/>
+        </p:spPr>
+        <p:txBody>
+          <a:bodyPr wrap="square" rtlCol="0">
+            <a:spAutoFit/>
+          </a:bodyPr>
+          <a:lstStyle/>
+          <a:p>
+            <a:pPr marL="342900" indent="-342900">
+              <a:buFont typeface="Arial" panose="020B0604020202020204" pitchFamily="34" charset="0"/>
+              <a:buChar char="•"/>
+            </a:pPr>
+            <a:r>
+              <a:rPr lang="en-GB" sz="2400" dirty="0">
+                <a:latin typeface="+mj-lt"/>
+              </a:rPr>
+              <a:t>Data Communication</a:t>
+            </a:r>
+          </a:p>
+          <a:p>
+            <a:pPr marL="342900" indent="-342900">
+              <a:buFont typeface="Arial" panose="020B0604020202020204" pitchFamily="34" charset="0"/>
+              <a:buChar char="•"/>
+            </a:pPr>
+            <a:r>
+              <a:rPr lang="en-GB" sz="2400" kern="1200" dirty="0">
+                <a:effectLst/>
+                <a:latin typeface="+mj-lt"/>
+                <a:ea typeface="+mn-ea"/>
+                <a:cs typeface="+mn-cs"/>
+              </a:rPr>
+              <a:t>Printer Code</a:t>
+            </a:r>
+          </a:p>
+          <a:p>
+            <a:pPr marL="342900" indent="-342900">
+              <a:buFont typeface="Arial" panose="020B0604020202020204" pitchFamily="34" charset="0"/>
+              <a:buChar char="•"/>
+            </a:pPr>
+            <a:r>
+              <a:rPr lang="en-GB" sz="2400" kern="1200" dirty="0">
+                <a:effectLst/>
+                <a:latin typeface="+mj-lt"/>
+                <a:ea typeface="+mn-ea"/>
+                <a:cs typeface="+mn-cs"/>
+              </a:rPr>
+              <a:t>Joysticks &amp; </a:t>
+            </a:r>
+            <a:r>
+              <a:rPr lang="en-GB" sz="2400" kern="1200" dirty="0" err="1">
+                <a:effectLst/>
+                <a:latin typeface="+mj-lt"/>
+                <a:ea typeface="+mn-ea"/>
+                <a:cs typeface="+mn-cs"/>
+              </a:rPr>
+              <a:t>XInput</a:t>
+            </a:r>
+            <a:endParaRPr lang="en-GB" sz="2400" kern="1200" dirty="0">
+              <a:effectLst/>
+              <a:latin typeface="+mj-lt"/>
+              <a:ea typeface="+mn-ea"/>
+              <a:cs typeface="+mn-cs"/>
+            </a:endParaRPr>
+          </a:p>
+          <a:p>
+            <a:pPr marL="342900" indent="-342900">
+              <a:buFont typeface="Arial" panose="020B0604020202020204" pitchFamily="34" charset="0"/>
+              <a:buChar char="•"/>
+            </a:pPr>
+            <a:endParaRPr lang="en-GB" sz="2400" kern="1200" dirty="0">
+              <a:effectLst/>
+              <a:latin typeface="+mj-lt"/>
+              <a:ea typeface="+mn-ea"/>
+              <a:cs typeface="+mn-cs"/>
+            </a:endParaRPr>
+          </a:p>
+        </p:txBody>
+      </p:sp>
+      <p:pic>
+        <p:nvPicPr>
+          <p:cNvPr id="5" name="Graphic 4" descr="Brainstorm outline">
+            <a:extLst>
+              <a:ext uri="{FF2B5EF4-FFF2-40B4-BE49-F238E27FC236}">
+                <a16:creationId xmlns:a16="http://schemas.microsoft.com/office/drawing/2014/main" id="{675AB5A3-64EF-82A1-3518-E4A675CE55F7}"/>
+              </a:ext>
+            </a:extLst>
+          </p:cNvPr>
+          <p:cNvPicPr>
+            <a:picLocks noChangeAspect="1"/>
+          </p:cNvPicPr>
+          <p:nvPr/>
+        </p:nvPicPr>
+        <p:blipFill>
+          <a:blip r:embed="rId2">
+            <a:extLst>
+              <a:ext uri="{96DAC541-7B7A-43D3-8B79-37D633B846F1}">
+                <asvg:svgBlip xmlns:asvg="http://schemas.microsoft.com/office/drawing/2016/SVG/main" r:embed="rId3"/>
+              </a:ext>
+            </a:extLst>
+          </a:blip>
+          <a:srcRect/>
+          <a:stretch/>
+        </p:blipFill>
+        <p:spPr>
+          <a:xfrm flipH="1">
+            <a:off x="5028948" y="-171450"/>
+            <a:ext cx="9715500" cy="9715500"/>
+          </a:xfrm>
+          <a:prstGeom prst="rect">
+            <a:avLst/>
+          </a:prstGeom>
+        </p:spPr>
+      </p:pic>
+    </p:spTree>
+    <p:extLst>
+      <p:ext uri="{BB962C8B-B14F-4D97-AF65-F5344CB8AC3E}">
+        <p14:creationId xmlns:p14="http://schemas.microsoft.com/office/powerpoint/2010/main" val="397568368"/>
       </p:ext>
     </p:extLst>
   </p:cSld>
@@ -5149,4 +7528,319 @@
     </a:ext>
   </a:extLst>
 </a:theme>
+</file>
+
+<file path=ppt/theme/theme2.xml><?xml version="1.0" encoding="utf-8"?>
+<a:theme xmlns:a="http://schemas.openxmlformats.org/drawingml/2006/main" name="Office Theme">
+  <a:themeElements>
+    <a:clrScheme name="Office">
+      <a:dk1>
+        <a:sysClr val="windowText" lastClr="000000"/>
+      </a:dk1>
+      <a:lt1>
+        <a:sysClr val="window" lastClr="FFFFFF"/>
+      </a:lt1>
+      <a:dk2>
+        <a:srgbClr val="0E2841"/>
+      </a:dk2>
+      <a:lt2>
+        <a:srgbClr val="E8E8E8"/>
+      </a:lt2>
+      <a:accent1>
+        <a:srgbClr val="156082"/>
+      </a:accent1>
+      <a:accent2>
+        <a:srgbClr val="E97132"/>
+      </a:accent2>
+      <a:accent3>
+        <a:srgbClr val="196B24"/>
+      </a:accent3>
+      <a:accent4>
+        <a:srgbClr val="0F9ED5"/>
+      </a:accent4>
+      <a:accent5>
+        <a:srgbClr val="A02B93"/>
+      </a:accent5>
+      <a:accent6>
+        <a:srgbClr val="4EA72E"/>
+      </a:accent6>
+      <a:hlink>
+        <a:srgbClr val="467886"/>
+      </a:hlink>
+      <a:folHlink>
+        <a:srgbClr val="96607D"/>
+      </a:folHlink>
+    </a:clrScheme>
+    <a:fontScheme name="Office">
+      <a:majorFont>
+        <a:latin typeface="Aptos Display" panose="02110004020202020204"/>
+        <a:ea typeface=""/>
+        <a:cs typeface=""/>
+        <a:font script="Jpan" typeface="游ゴシック Light"/>
+        <a:font script="Hang" typeface="맑은 고딕"/>
+        <a:font script="Hans" typeface="等线 Light"/>
+        <a:font script="Hant" typeface="新細明體"/>
+        <a:font script="Arab" typeface="Times New Roman"/>
+        <a:font script="Hebr" typeface="Times New Roman"/>
+        <a:font script="Thai" typeface="Angsana New"/>
+        <a:font script="Ethi" typeface="Nyala"/>
+        <a:font script="Beng" typeface="Vrinda"/>
+        <a:font script="Gujr" typeface="Shruti"/>
+        <a:font script="Khmr" typeface="MoolBoran"/>
+        <a:font script="Knda" typeface="Tunga"/>
+        <a:font script="Guru" typeface="Raavi"/>
+        <a:font script="Cans" typeface="Euphemia"/>
+        <a:font script="Cher" typeface="Plantagenet Cherokee"/>
+        <a:font script="Yiii" typeface="Microsoft Yi Baiti"/>
+        <a:font script="Tibt" typeface="Microsoft Himalaya"/>
+        <a:font script="Thaa" typeface="MV Boli"/>
+        <a:font script="Deva" typeface="Mangal"/>
+        <a:font script="Telu" typeface="Gautami"/>
+        <a:font script="Taml" typeface="Latha"/>
+        <a:font script="Syrc" typeface="Estrangelo Edessa"/>
+        <a:font script="Orya" typeface="Kalinga"/>
+        <a:font script="Mlym" typeface="Kartika"/>
+        <a:font script="Laoo" typeface="DokChampa"/>
+        <a:font script="Sinh" typeface="Iskoola Pota"/>
+        <a:font script="Mong" typeface="Mongolian Baiti"/>
+        <a:font script="Viet" typeface="Times New Roman"/>
+        <a:font script="Uigh" typeface="Microsoft Uighur"/>
+        <a:font script="Geor" typeface="Sylfaen"/>
+        <a:font script="Armn" typeface="Arial"/>
+        <a:font script="Bugi" typeface="Leelawadee UI"/>
+        <a:font script="Bopo" typeface="Microsoft JhengHei"/>
+        <a:font script="Java" typeface="Javanese Text"/>
+        <a:font script="Lisu" typeface="Segoe UI"/>
+        <a:font script="Mymr" typeface="Myanmar Text"/>
+        <a:font script="Nkoo" typeface="Ebrima"/>
+        <a:font script="Olck" typeface="Nirmala UI"/>
+        <a:font script="Osma" typeface="Ebrima"/>
+        <a:font script="Phag" typeface="Phagspa"/>
+        <a:font script="Syrn" typeface="Estrangelo Edessa"/>
+        <a:font script="Syrj" typeface="Estrangelo Edessa"/>
+        <a:font script="Syre" typeface="Estrangelo Edessa"/>
+        <a:font script="Sora" typeface="Nirmala UI"/>
+        <a:font script="Tale" typeface="Microsoft Tai Le"/>
+        <a:font script="Talu" typeface="Microsoft New Tai Lue"/>
+        <a:font script="Tfng" typeface="Ebrima"/>
+      </a:majorFont>
+      <a:minorFont>
+        <a:latin typeface="Aptos" panose="02110004020202020204"/>
+        <a:ea typeface=""/>
+        <a:cs typeface=""/>
+        <a:font script="Jpan" typeface="游ゴシック"/>
+        <a:font script="Hang" typeface="맑은 고딕"/>
+        <a:font script="Hans" typeface="等线"/>
+        <a:font script="Hant" typeface="新細明體"/>
+        <a:font script="Arab" typeface="Arial"/>
+        <a:font script="Hebr" typeface="Arial"/>
+        <a:font script="Thai" typeface="Cordia New"/>
+        <a:font script="Ethi" typeface="Nyala"/>
+        <a:font script="Beng" typeface="Vrinda"/>
+        <a:font script="Gujr" typeface="Shruti"/>
+        <a:font script="Khmr" typeface="DaunPenh"/>
+        <a:font script="Knda" typeface="Tunga"/>
+        <a:font script="Guru" typeface="Raavi"/>
+        <a:font script="Cans" typeface="Euphemia"/>
+        <a:font script="Cher" typeface="Plantagenet Cherokee"/>
+        <a:font script="Yiii" typeface="Microsoft Yi Baiti"/>
+        <a:font script="Tibt" typeface="Microsoft Himalaya"/>
+        <a:font script="Thaa" typeface="MV Boli"/>
+        <a:font script="Deva" typeface="Mangal"/>
+        <a:font script="Telu" typeface="Gautami"/>
+        <a:font script="Taml" typeface="Latha"/>
+        <a:font script="Syrc" typeface="Estrangelo Edessa"/>
+        <a:font script="Orya" typeface="Kalinga"/>
+        <a:font script="Mlym" typeface="Kartika"/>
+        <a:font script="Laoo" typeface="DokChampa"/>
+        <a:font script="Sinh" typeface="Iskoola Pota"/>
+        <a:font script="Mong" typeface="Mongolian Baiti"/>
+        <a:font script="Viet" typeface="Arial"/>
+        <a:font script="Uigh" typeface="Microsoft Uighur"/>
+        <a:font script="Geor" typeface="Sylfaen"/>
+        <a:font script="Armn" typeface="Arial"/>
+        <a:font script="Bugi" typeface="Leelawadee UI"/>
+        <a:font script="Bopo" typeface="Microsoft JhengHei"/>
+        <a:font script="Java" typeface="Javanese Text"/>
+        <a:font script="Lisu" typeface="Segoe UI"/>
+        <a:font script="Mymr" typeface="Myanmar Text"/>
+        <a:font script="Nkoo" typeface="Ebrima"/>
+        <a:font script="Olck" typeface="Nirmala UI"/>
+        <a:font script="Osma" typeface="Ebrima"/>
+        <a:font script="Phag" typeface="Phagspa"/>
+        <a:font script="Syrn" typeface="Estrangelo Edessa"/>
+        <a:font script="Syrj" typeface="Estrangelo Edessa"/>
+        <a:font script="Syre" typeface="Estrangelo Edessa"/>
+        <a:font script="Sora" typeface="Nirmala UI"/>
+        <a:font script="Tale" typeface="Microsoft Tai Le"/>
+        <a:font script="Talu" typeface="Microsoft New Tai Lue"/>
+        <a:font script="Tfng" typeface="Ebrima"/>
+      </a:minorFont>
+    </a:fontScheme>
+    <a:fmtScheme name="Office">
+      <a:fillStyleLst>
+        <a:solidFill>
+          <a:schemeClr val="phClr"/>
+        </a:solidFill>
+        <a:gradFill rotWithShape="1">
+          <a:gsLst>
+            <a:gs pos="0">
+              <a:schemeClr val="phClr">
+                <a:lumMod val="110000"/>
+                <a:satMod val="105000"/>
+                <a:tint val="67000"/>
+              </a:schemeClr>
+            </a:gs>
+            <a:gs pos="50000">
+              <a:schemeClr val="phClr">
+                <a:lumMod val="105000"/>
+                <a:satMod val="103000"/>
+                <a:tint val="73000"/>
+              </a:schemeClr>
+            </a:gs>
+            <a:gs pos="100000">
+              <a:schemeClr val="phClr">
+                <a:lumMod val="105000"/>
+                <a:satMod val="109000"/>
+                <a:tint val="81000"/>
+              </a:schemeClr>
+            </a:gs>
+          </a:gsLst>
+          <a:lin ang="5400000" scaled="0"/>
+        </a:gradFill>
+        <a:gradFill rotWithShape="1">
+          <a:gsLst>
+            <a:gs pos="0">
+              <a:schemeClr val="phClr">
+                <a:satMod val="103000"/>
+                <a:lumMod val="102000"/>
+                <a:tint val="94000"/>
+              </a:schemeClr>
+            </a:gs>
+            <a:gs pos="50000">
+              <a:schemeClr val="phClr">
+                <a:satMod val="110000"/>
+                <a:lumMod val="100000"/>
+                <a:shade val="100000"/>
+              </a:schemeClr>
+            </a:gs>
+            <a:gs pos="100000">
+              <a:schemeClr val="phClr">
+                <a:lumMod val="99000"/>
+                <a:satMod val="120000"/>
+                <a:shade val="78000"/>
+              </a:schemeClr>
+            </a:gs>
+          </a:gsLst>
+          <a:lin ang="5400000" scaled="0"/>
+        </a:gradFill>
+      </a:fillStyleLst>
+      <a:lnStyleLst>
+        <a:ln w="12700" cap="flat" cmpd="sng" algn="ctr">
+          <a:solidFill>
+            <a:schemeClr val="phClr"/>
+          </a:solidFill>
+          <a:prstDash val="solid"/>
+          <a:miter lim="800000"/>
+        </a:ln>
+        <a:ln w="19050" cap="flat" cmpd="sng" algn="ctr">
+          <a:solidFill>
+            <a:schemeClr val="phClr"/>
+          </a:solidFill>
+          <a:prstDash val="solid"/>
+          <a:miter lim="800000"/>
+        </a:ln>
+        <a:ln w="25400" cap="flat" cmpd="sng" algn="ctr">
+          <a:solidFill>
+            <a:schemeClr val="phClr"/>
+          </a:solidFill>
+          <a:prstDash val="solid"/>
+          <a:miter lim="800000"/>
+        </a:ln>
+      </a:lnStyleLst>
+      <a:effectStyleLst>
+        <a:effectStyle>
+          <a:effectLst/>
+        </a:effectStyle>
+        <a:effectStyle>
+          <a:effectLst/>
+        </a:effectStyle>
+        <a:effectStyle>
+          <a:effectLst>
+            <a:outerShdw blurRad="57150" dist="19050" dir="5400000" algn="ctr" rotWithShape="0">
+              <a:srgbClr val="000000">
+                <a:alpha val="63000"/>
+              </a:srgbClr>
+            </a:outerShdw>
+          </a:effectLst>
+        </a:effectStyle>
+      </a:effectStyleLst>
+      <a:bgFillStyleLst>
+        <a:solidFill>
+          <a:schemeClr val="phClr"/>
+        </a:solidFill>
+        <a:solidFill>
+          <a:schemeClr val="phClr">
+            <a:tint val="95000"/>
+            <a:satMod val="170000"/>
+          </a:schemeClr>
+        </a:solidFill>
+        <a:gradFill rotWithShape="1">
+          <a:gsLst>
+            <a:gs pos="0">
+              <a:schemeClr val="phClr">
+                <a:tint val="93000"/>
+                <a:satMod val="150000"/>
+                <a:shade val="98000"/>
+                <a:lumMod val="102000"/>
+              </a:schemeClr>
+            </a:gs>
+            <a:gs pos="50000">
+              <a:schemeClr val="phClr">
+                <a:tint val="98000"/>
+                <a:satMod val="130000"/>
+                <a:shade val="90000"/>
+                <a:lumMod val="103000"/>
+              </a:schemeClr>
+            </a:gs>
+            <a:gs pos="100000">
+              <a:schemeClr val="phClr">
+                <a:shade val="63000"/>
+                <a:satMod val="120000"/>
+              </a:schemeClr>
+            </a:gs>
+          </a:gsLst>
+          <a:lin ang="5400000" scaled="0"/>
+        </a:gradFill>
+      </a:bgFillStyleLst>
+    </a:fmtScheme>
+  </a:themeElements>
+  <a:objectDefaults>
+    <a:lnDef>
+      <a:spPr/>
+      <a:bodyPr/>
+      <a:lstStyle/>
+      <a:style>
+        <a:lnRef idx="2">
+          <a:schemeClr val="accent1"/>
+        </a:lnRef>
+        <a:fillRef idx="0">
+          <a:schemeClr val="accent1"/>
+        </a:fillRef>
+        <a:effectRef idx="1">
+          <a:schemeClr val="accent1"/>
+        </a:effectRef>
+        <a:fontRef idx="minor">
+          <a:schemeClr val="tx1"/>
+        </a:fontRef>
+      </a:style>
+    </a:lnDef>
+  </a:objectDefaults>
+  <a:extraClrSchemeLst/>
+  <a:extLst>
+    <a:ext uri="{05A4C25C-085E-4340-85A3-A5531E510DB2}">
+      <thm15:themeFamily xmlns:thm15="http://schemas.microsoft.com/office/thememl/2012/main" name="Office Theme" id="{2E142A2C-CD16-42D6-873A-C26D2A0506FA}" vid="{1BDDFF52-6CD6-40A5-AB3C-68EB2F1E4D0A}"/>
+    </a:ext>
+  </a:extLst>
+</a:theme>
 </file>